--- a/+Validation/Metrics.pptx
+++ b/+Validation/Metrics.pptx
@@ -6,8 +6,13 @@
   </p:sldMasterIdLst>
   <p:sldIdLst>
     <p:sldId id="256" r:id="rId2"/>
-    <p:sldId id="257" r:id="rId3"/>
-    <p:sldId id="259" r:id="rId4"/>
+    <p:sldId id="260" r:id="rId3"/>
+    <p:sldId id="262" r:id="rId4"/>
+    <p:sldId id="257" r:id="rId5"/>
+    <p:sldId id="259" r:id="rId6"/>
+    <p:sldId id="263" r:id="rId7"/>
+    <p:sldId id="264" r:id="rId8"/>
+    <p:sldId id="265" r:id="rId9"/>
   </p:sldIdLst>
   <p:sldSz cx="12192000" cy="6858000"/>
   <p:notesSz cx="6858000" cy="9144000"/>
@@ -106,6 +111,11 @@
       </a:defRPr>
     </a:lvl9pPr>
   </p:defaultTextStyle>
+  <p:extLst>
+    <p:ext uri="{EFAFB233-063F-42B5-8137-9DF3F51BA10A}">
+      <p15:sldGuideLst xmlns:p15="http://schemas.microsoft.com/office/powerpoint/2012/main"/>
+    </p:ext>
+  </p:extLst>
 </p:presentation>
 </file>
 
@@ -240,7 +250,7 @@
           <a:p>
             <a:fld id="{A12CDB78-3F11-4D29-ADF7-4DC63FE2217A}" type="datetimeFigureOut">
               <a:rPr lang="en-US" smtClean="0"/>
-              <a:t>24/07/2018</a:t>
+              <a:t>25/07/2018</a:t>
             </a:fld>
             <a:endParaRPr lang="en-US"/>
           </a:p>
@@ -410,7 +420,7 @@
           <a:p>
             <a:fld id="{A12CDB78-3F11-4D29-ADF7-4DC63FE2217A}" type="datetimeFigureOut">
               <a:rPr lang="en-US" smtClean="0"/>
-              <a:t>24/07/2018</a:t>
+              <a:t>25/07/2018</a:t>
             </a:fld>
             <a:endParaRPr lang="en-US"/>
           </a:p>
@@ -590,7 +600,7 @@
           <a:p>
             <a:fld id="{A12CDB78-3F11-4D29-ADF7-4DC63FE2217A}" type="datetimeFigureOut">
               <a:rPr lang="en-US" smtClean="0"/>
-              <a:t>24/07/2018</a:t>
+              <a:t>25/07/2018</a:t>
             </a:fld>
             <a:endParaRPr lang="en-US"/>
           </a:p>
@@ -760,7 +770,7 @@
           <a:p>
             <a:fld id="{A12CDB78-3F11-4D29-ADF7-4DC63FE2217A}" type="datetimeFigureOut">
               <a:rPr lang="en-US" smtClean="0"/>
-              <a:t>24/07/2018</a:t>
+              <a:t>25/07/2018</a:t>
             </a:fld>
             <a:endParaRPr lang="en-US"/>
           </a:p>
@@ -1006,7 +1016,7 @@
           <a:p>
             <a:fld id="{A12CDB78-3F11-4D29-ADF7-4DC63FE2217A}" type="datetimeFigureOut">
               <a:rPr lang="en-US" smtClean="0"/>
-              <a:t>24/07/2018</a:t>
+              <a:t>25/07/2018</a:t>
             </a:fld>
             <a:endParaRPr lang="en-US"/>
           </a:p>
@@ -1238,7 +1248,7 @@
           <a:p>
             <a:fld id="{A12CDB78-3F11-4D29-ADF7-4DC63FE2217A}" type="datetimeFigureOut">
               <a:rPr lang="en-US" smtClean="0"/>
-              <a:t>24/07/2018</a:t>
+              <a:t>25/07/2018</a:t>
             </a:fld>
             <a:endParaRPr lang="en-US"/>
           </a:p>
@@ -1605,7 +1615,7 @@
           <a:p>
             <a:fld id="{A12CDB78-3F11-4D29-ADF7-4DC63FE2217A}" type="datetimeFigureOut">
               <a:rPr lang="en-US" smtClean="0"/>
-              <a:t>24/07/2018</a:t>
+              <a:t>25/07/2018</a:t>
             </a:fld>
             <a:endParaRPr lang="en-US"/>
           </a:p>
@@ -1723,7 +1733,7 @@
           <a:p>
             <a:fld id="{A12CDB78-3F11-4D29-ADF7-4DC63FE2217A}" type="datetimeFigureOut">
               <a:rPr lang="en-US" smtClean="0"/>
-              <a:t>24/07/2018</a:t>
+              <a:t>25/07/2018</a:t>
             </a:fld>
             <a:endParaRPr lang="en-US"/>
           </a:p>
@@ -1818,7 +1828,7 @@
           <a:p>
             <a:fld id="{A12CDB78-3F11-4D29-ADF7-4DC63FE2217A}" type="datetimeFigureOut">
               <a:rPr lang="en-US" smtClean="0"/>
-              <a:t>24/07/2018</a:t>
+              <a:t>25/07/2018</a:t>
             </a:fld>
             <a:endParaRPr lang="en-US"/>
           </a:p>
@@ -2095,7 +2105,7 @@
           <a:p>
             <a:fld id="{A12CDB78-3F11-4D29-ADF7-4DC63FE2217A}" type="datetimeFigureOut">
               <a:rPr lang="en-US" smtClean="0"/>
-              <a:t>24/07/2018</a:t>
+              <a:t>25/07/2018</a:t>
             </a:fld>
             <a:endParaRPr lang="en-US"/>
           </a:p>
@@ -2348,7 +2358,7 @@
           <a:p>
             <a:fld id="{A12CDB78-3F11-4D29-ADF7-4DC63FE2217A}" type="datetimeFigureOut">
               <a:rPr lang="en-US" smtClean="0"/>
-              <a:t>24/07/2018</a:t>
+              <a:t>25/07/2018</a:t>
             </a:fld>
             <a:endParaRPr lang="en-US"/>
           </a:p>
@@ -2561,7 +2571,7 @@
           <a:p>
             <a:fld id="{A12CDB78-3F11-4D29-ADF7-4DC63FE2217A}" type="datetimeFigureOut">
               <a:rPr lang="en-US" smtClean="0"/>
-              <a:t>24/07/2018</a:t>
+              <a:t>25/07/2018</a:t>
             </a:fld>
             <a:endParaRPr lang="en-US"/>
           </a:p>
@@ -3061,6 +3071,1018 @@
         </p:nvSpPr>
         <p:spPr>
           <a:xfrm>
+            <a:off x="838200" y="365126"/>
+            <a:ext cx="10515600" cy="808582"/>
+          </a:xfrm>
+        </p:spPr>
+        <p:txBody>
+          <a:bodyPr/>
+          <a:lstStyle/>
+          <a:p>
+            <a:r>
+              <a:rPr lang="en-US" dirty="0" smtClean="0">
+                <a:latin typeface="Consolas" panose="020B0609020204030204" pitchFamily="49" charset="0"/>
+              </a:rPr>
+              <a:t>Metrics Interface</a:t>
+            </a:r>
+            <a:endParaRPr lang="en-US" dirty="0">
+              <a:latin typeface="Consolas" panose="020B0609020204030204" pitchFamily="49" charset="0"/>
+            </a:endParaRPr>
+          </a:p>
+        </p:txBody>
+      </p:sp>
+      <p:sp>
+        <p:nvSpPr>
+          <p:cNvPr id="3" name="Content Placeholder 2"/>
+          <p:cNvSpPr>
+            <a:spLocks noGrp="1"/>
+          </p:cNvSpPr>
+          <p:nvPr>
+            <p:ph idx="1"/>
+          </p:nvPr>
+        </p:nvSpPr>
+        <p:spPr>
+          <a:xfrm>
+            <a:off x="838200" y="1173708"/>
+            <a:ext cx="10515600" cy="586853"/>
+          </a:xfrm>
+        </p:spPr>
+        <p:txBody>
+          <a:bodyPr>
+            <a:normAutofit/>
+          </a:bodyPr>
+          <a:lstStyle/>
+          <a:p>
+            <a:pPr marL="0" indent="0">
+              <a:buNone/>
+            </a:pPr>
+            <a:r>
+              <a:rPr lang="en-US" dirty="0">
+                <a:latin typeface="Consolas" panose="020B0609020204030204" pitchFamily="49" charset="0"/>
+              </a:rPr>
+              <a:t>function [score, results] = </a:t>
+            </a:r>
+            <a:r>
+              <a:rPr lang="en-US" dirty="0" smtClean="0">
+                <a:latin typeface="Consolas" panose="020B0609020204030204" pitchFamily="49" charset="0"/>
+              </a:rPr>
+              <a:t>metrics(frames</a:t>
+            </a:r>
+            <a:r>
+              <a:rPr lang="en-US" dirty="0">
+                <a:latin typeface="Consolas" panose="020B0609020204030204" pitchFamily="49" charset="0"/>
+              </a:rPr>
+              <a:t>, </a:t>
+            </a:r>
+            <a:r>
+              <a:rPr lang="en-US" dirty="0" err="1">
+                <a:latin typeface="Consolas" panose="020B0609020204030204" pitchFamily="49" charset="0"/>
+              </a:rPr>
+              <a:t>params</a:t>
+            </a:r>
+            <a:r>
+              <a:rPr lang="en-US" dirty="0" smtClean="0">
+                <a:latin typeface="Consolas" panose="020B0609020204030204" pitchFamily="49" charset="0"/>
+              </a:rPr>
+              <a:t>)</a:t>
+            </a:r>
+            <a:endParaRPr lang="en-US" dirty="0">
+              <a:latin typeface="Consolas" panose="020B0609020204030204" pitchFamily="49" charset="0"/>
+            </a:endParaRPr>
+          </a:p>
+        </p:txBody>
+      </p:sp>
+      <p:sp>
+        <p:nvSpPr>
+          <p:cNvPr id="4" name="TextBox 3"/>
+          <p:cNvSpPr txBox="1"/>
+          <p:nvPr/>
+        </p:nvSpPr>
+        <p:spPr>
+          <a:xfrm>
+            <a:off x="838200" y="1982290"/>
+            <a:ext cx="4363695" cy="2031325"/>
+          </a:xfrm>
+          <a:prstGeom prst="rect">
+            <a:avLst/>
+          </a:prstGeom>
+          <a:noFill/>
+        </p:spPr>
+        <p:txBody>
+          <a:bodyPr wrap="none" rtlCol="0">
+            <a:spAutoFit/>
+          </a:bodyPr>
+          <a:lstStyle/>
+          <a:p>
+            <a:r>
+              <a:rPr lang="en-US" dirty="0">
+                <a:latin typeface="Consolas" panose="020B0609020204030204" pitchFamily="49" charset="0"/>
+              </a:rPr>
+              <a:t>frames = </a:t>
+            </a:r>
+          </a:p>
+          <a:p>
+            <a:r>
+              <a:rPr lang="en-US" dirty="0">
+                <a:latin typeface="Consolas" panose="020B0609020204030204" pitchFamily="49" charset="0"/>
+              </a:rPr>
+              <a:t>  1×100 </a:t>
+            </a:r>
+            <a:r>
+              <a:rPr lang="en-US" dirty="0" err="1">
+                <a:latin typeface="Consolas" panose="020B0609020204030204" pitchFamily="49" charset="0"/>
+              </a:rPr>
+              <a:t>struct</a:t>
+            </a:r>
+            <a:r>
+              <a:rPr lang="en-US" dirty="0">
+                <a:latin typeface="Consolas" panose="020B0609020204030204" pitchFamily="49" charset="0"/>
+              </a:rPr>
+              <a:t> array with fields:</a:t>
+            </a:r>
+          </a:p>
+          <a:p>
+            <a:r>
+              <a:rPr lang="en-US" dirty="0" smtClean="0">
+                <a:latin typeface="Consolas" panose="020B0609020204030204" pitchFamily="49" charset="0"/>
+              </a:rPr>
+              <a:t>    z: </a:t>
+            </a:r>
+            <a:r>
+              <a:rPr lang="en-US" dirty="0">
+                <a:latin typeface="Consolas" panose="020B0609020204030204" pitchFamily="49" charset="0"/>
+              </a:rPr>
+              <a:t>480x640 </a:t>
+            </a:r>
+            <a:r>
+              <a:rPr lang="en-US" dirty="0" smtClean="0">
+                <a:latin typeface="Consolas" panose="020B0609020204030204" pitchFamily="49" charset="0"/>
+              </a:rPr>
+              <a:t>uint16</a:t>
+            </a:r>
+            <a:endParaRPr lang="en-US" dirty="0">
+              <a:latin typeface="Consolas" panose="020B0609020204030204" pitchFamily="49" charset="0"/>
+            </a:endParaRPr>
+          </a:p>
+          <a:p>
+            <a:r>
+              <a:rPr lang="en-US" dirty="0">
+                <a:latin typeface="Consolas" panose="020B0609020204030204" pitchFamily="49" charset="0"/>
+              </a:rPr>
+              <a:t>    </a:t>
+            </a:r>
+            <a:r>
+              <a:rPr lang="en-US" dirty="0" smtClean="0">
+                <a:latin typeface="Consolas" panose="020B0609020204030204" pitchFamily="49" charset="0"/>
+              </a:rPr>
+              <a:t>i: </a:t>
+            </a:r>
+            <a:r>
+              <a:rPr lang="en-US" dirty="0">
+                <a:latin typeface="Consolas" panose="020B0609020204030204" pitchFamily="49" charset="0"/>
+              </a:rPr>
+              <a:t>480x640 uint16</a:t>
+            </a:r>
+          </a:p>
+          <a:p>
+            <a:r>
+              <a:rPr lang="en-US" dirty="0">
+                <a:latin typeface="Consolas" panose="020B0609020204030204" pitchFamily="49" charset="0"/>
+              </a:rPr>
+              <a:t>    </a:t>
+            </a:r>
+            <a:r>
+              <a:rPr lang="en-US" dirty="0" smtClean="0">
+                <a:latin typeface="Consolas" panose="020B0609020204030204" pitchFamily="49" charset="0"/>
+              </a:rPr>
+              <a:t>c: </a:t>
+            </a:r>
+            <a:r>
+              <a:rPr lang="en-US" dirty="0">
+                <a:latin typeface="Consolas" panose="020B0609020204030204" pitchFamily="49" charset="0"/>
+              </a:rPr>
+              <a:t>480x640 uint16</a:t>
+            </a:r>
+          </a:p>
+          <a:p>
+            <a:endParaRPr lang="en-US" dirty="0">
+              <a:latin typeface="Consolas" panose="020B0609020204030204" pitchFamily="49" charset="0"/>
+            </a:endParaRPr>
+          </a:p>
+          <a:p>
+            <a:endParaRPr lang="en-US" dirty="0">
+              <a:latin typeface="Consolas" panose="020B0609020204030204" pitchFamily="49" charset="0"/>
+            </a:endParaRPr>
+          </a:p>
+        </p:txBody>
+      </p:sp>
+      <p:sp>
+        <p:nvSpPr>
+          <p:cNvPr id="5" name="TextBox 4"/>
+          <p:cNvSpPr txBox="1"/>
+          <p:nvPr/>
+        </p:nvSpPr>
+        <p:spPr>
+          <a:xfrm>
+            <a:off x="838200" y="4013615"/>
+            <a:ext cx="3857146" cy="2031325"/>
+          </a:xfrm>
+          <a:prstGeom prst="rect">
+            <a:avLst/>
+          </a:prstGeom>
+          <a:noFill/>
+        </p:spPr>
+        <p:txBody>
+          <a:bodyPr wrap="none" rtlCol="0">
+            <a:spAutoFit/>
+          </a:bodyPr>
+          <a:lstStyle/>
+          <a:p>
+            <a:r>
+              <a:rPr lang="en-US" dirty="0" err="1">
+                <a:latin typeface="Consolas" panose="020B0609020204030204" pitchFamily="49" charset="0"/>
+              </a:rPr>
+              <a:t>params</a:t>
+            </a:r>
+            <a:r>
+              <a:rPr lang="en-US" dirty="0">
+                <a:latin typeface="Consolas" panose="020B0609020204030204" pitchFamily="49" charset="0"/>
+              </a:rPr>
+              <a:t> = </a:t>
+            </a:r>
+          </a:p>
+          <a:p>
+            <a:r>
+              <a:rPr lang="en-US" dirty="0" smtClean="0">
+                <a:latin typeface="Consolas" panose="020B0609020204030204" pitchFamily="49" charset="0"/>
+              </a:rPr>
+              <a:t>  </a:t>
+            </a:r>
+            <a:r>
+              <a:rPr lang="en-US" dirty="0" err="1">
+                <a:latin typeface="Consolas" panose="020B0609020204030204" pitchFamily="49" charset="0"/>
+              </a:rPr>
+              <a:t>struct</a:t>
+            </a:r>
+            <a:r>
+              <a:rPr lang="en-US" dirty="0">
+                <a:latin typeface="Consolas" panose="020B0609020204030204" pitchFamily="49" charset="0"/>
+              </a:rPr>
+              <a:t> with fields:</a:t>
+            </a:r>
+          </a:p>
+          <a:p>
+            <a:r>
+              <a:rPr lang="en-US" dirty="0" smtClean="0">
+                <a:latin typeface="Consolas" panose="020B0609020204030204" pitchFamily="49" charset="0"/>
+              </a:rPr>
+              <a:t>            </a:t>
+            </a:r>
+            <a:r>
+              <a:rPr lang="en-US" dirty="0" err="1">
+                <a:latin typeface="Consolas" panose="020B0609020204030204" pitchFamily="49" charset="0"/>
+              </a:rPr>
+              <a:t>roi</a:t>
+            </a:r>
+            <a:r>
+              <a:rPr lang="en-US" dirty="0">
+                <a:latin typeface="Consolas" panose="020B0609020204030204" pitchFamily="49" charset="0"/>
+              </a:rPr>
+              <a:t>: </a:t>
+            </a:r>
+            <a:r>
+              <a:rPr lang="en-US" dirty="0" smtClean="0">
+                <a:latin typeface="Consolas" panose="020B0609020204030204" pitchFamily="49" charset="0"/>
+              </a:rPr>
+              <a:t>0.8</a:t>
+            </a:r>
+            <a:endParaRPr lang="en-US" dirty="0">
+              <a:latin typeface="Consolas" panose="020B0609020204030204" pitchFamily="49" charset="0"/>
+            </a:endParaRPr>
+          </a:p>
+          <a:p>
+            <a:r>
+              <a:rPr lang="en-US" dirty="0">
+                <a:latin typeface="Consolas" panose="020B0609020204030204" pitchFamily="49" charset="0"/>
+              </a:rPr>
+              <a:t>      </a:t>
+            </a:r>
+            <a:r>
+              <a:rPr lang="en-US" dirty="0" err="1">
+                <a:latin typeface="Consolas" panose="020B0609020204030204" pitchFamily="49" charset="0"/>
+              </a:rPr>
+              <a:t>isRoiRect</a:t>
+            </a:r>
+            <a:r>
+              <a:rPr lang="en-US" dirty="0">
+                <a:latin typeface="Consolas" panose="020B0609020204030204" pitchFamily="49" charset="0"/>
+              </a:rPr>
+              <a:t>: 0</a:t>
+            </a:r>
+          </a:p>
+          <a:p>
+            <a:r>
+              <a:rPr lang="en-US" dirty="0">
+                <a:latin typeface="Consolas" panose="020B0609020204030204" pitchFamily="49" charset="0"/>
+              </a:rPr>
+              <a:t>    </a:t>
+            </a:r>
+            <a:r>
+              <a:rPr lang="en-US" dirty="0" err="1">
+                <a:latin typeface="Consolas" panose="020B0609020204030204" pitchFamily="49" charset="0"/>
+              </a:rPr>
+              <a:t>roiCropRect</a:t>
+            </a:r>
+            <a:r>
+              <a:rPr lang="en-US" dirty="0">
+                <a:latin typeface="Consolas" panose="020B0609020204030204" pitchFamily="49" charset="0"/>
+              </a:rPr>
+              <a:t>: </a:t>
+            </a:r>
+            <a:r>
+              <a:rPr lang="en-US" dirty="0" smtClean="0">
+                <a:latin typeface="Consolas" panose="020B0609020204030204" pitchFamily="49" charset="0"/>
+              </a:rPr>
+              <a:t>0.04</a:t>
+            </a:r>
+            <a:endParaRPr lang="en-US" dirty="0">
+              <a:latin typeface="Consolas" panose="020B0609020204030204" pitchFamily="49" charset="0"/>
+            </a:endParaRPr>
+          </a:p>
+          <a:p>
+            <a:r>
+              <a:rPr lang="en-US" dirty="0">
+                <a:latin typeface="Consolas" panose="020B0609020204030204" pitchFamily="49" charset="0"/>
+              </a:rPr>
+              <a:t>        verbose: 1</a:t>
+            </a:r>
+          </a:p>
+          <a:p>
+            <a:r>
+              <a:rPr lang="en-US" dirty="0">
+                <a:latin typeface="Consolas" panose="020B0609020204030204" pitchFamily="49" charset="0"/>
+              </a:rPr>
+              <a:t>         camera: [1×1 </a:t>
+            </a:r>
+            <a:r>
+              <a:rPr lang="en-US" dirty="0" err="1">
+                <a:latin typeface="Consolas" panose="020B0609020204030204" pitchFamily="49" charset="0"/>
+              </a:rPr>
+              <a:t>struct</a:t>
+            </a:r>
+            <a:r>
+              <a:rPr lang="en-US" dirty="0">
+                <a:latin typeface="Consolas" panose="020B0609020204030204" pitchFamily="49" charset="0"/>
+              </a:rPr>
+              <a:t>]</a:t>
+            </a:r>
+          </a:p>
+        </p:txBody>
+      </p:sp>
+      <p:grpSp>
+        <p:nvGrpSpPr>
+          <p:cNvPr id="21" name="Group 20"/>
+          <p:cNvGrpSpPr/>
+          <p:nvPr/>
+        </p:nvGrpSpPr>
+        <p:grpSpPr>
+          <a:xfrm>
+            <a:off x="5489255" y="2238234"/>
+            <a:ext cx="5864545" cy="4587026"/>
+            <a:chOff x="5489255" y="2554156"/>
+            <a:chExt cx="5479765" cy="4271103"/>
+          </a:xfrm>
+        </p:grpSpPr>
+        <p:pic>
+          <p:nvPicPr>
+            <p:cNvPr id="6" name="Picture 5"/>
+            <p:cNvPicPr>
+              <a:picLocks noChangeAspect="1"/>
+            </p:cNvPicPr>
+            <p:nvPr/>
+          </p:nvPicPr>
+          <p:blipFill>
+            <a:blip r:embed="rId2"/>
+            <a:stretch>
+              <a:fillRect/>
+            </a:stretch>
+          </p:blipFill>
+          <p:spPr>
+            <a:xfrm>
+              <a:off x="5489255" y="2910420"/>
+              <a:ext cx="4876220" cy="3914839"/>
+            </a:xfrm>
+            <a:prstGeom prst="rect">
+              <a:avLst/>
+            </a:prstGeom>
+          </p:spPr>
+        </p:pic>
+        <p:grpSp>
+          <p:nvGrpSpPr>
+            <p:cNvPr id="20" name="Group 19"/>
+            <p:cNvGrpSpPr/>
+            <p:nvPr/>
+          </p:nvGrpSpPr>
+          <p:grpSpPr>
+            <a:xfrm>
+              <a:off x="7990764" y="2554156"/>
+              <a:ext cx="2978256" cy="2313684"/>
+              <a:chOff x="7990764" y="2554156"/>
+              <a:chExt cx="2978256" cy="2313684"/>
+            </a:xfrm>
+          </p:grpSpPr>
+          <p:cxnSp>
+            <p:nvCxnSpPr>
+              <p:cNvPr id="8" name="Straight Arrow Connector 7"/>
+              <p:cNvCxnSpPr/>
+              <p:nvPr/>
+            </p:nvCxnSpPr>
+            <p:spPr>
+              <a:xfrm flipV="1">
+                <a:off x="7990764" y="3555242"/>
+                <a:ext cx="1549021" cy="1312598"/>
+              </a:xfrm>
+              <a:prstGeom prst="straightConnector1">
+                <a:avLst/>
+              </a:prstGeom>
+              <a:ln w="28575">
+                <a:headEnd type="triangle"/>
+                <a:tailEnd type="triangle"/>
+              </a:ln>
+            </p:spPr>
+            <p:style>
+              <a:lnRef idx="1">
+                <a:schemeClr val="accent1"/>
+              </a:lnRef>
+              <a:fillRef idx="0">
+                <a:schemeClr val="accent1"/>
+              </a:fillRef>
+              <a:effectRef idx="0">
+                <a:schemeClr val="accent1"/>
+              </a:effectRef>
+              <a:fontRef idx="minor">
+                <a:schemeClr val="tx1"/>
+              </a:fontRef>
+            </p:style>
+          </p:cxnSp>
+          <p:sp>
+            <p:nvSpPr>
+              <p:cNvPr id="11" name="TextBox 10"/>
+              <p:cNvSpPr txBox="1"/>
+              <p:nvPr/>
+            </p:nvSpPr>
+            <p:spPr>
+              <a:xfrm>
+                <a:off x="8352430" y="3910083"/>
+                <a:ext cx="476412" cy="369332"/>
+              </a:xfrm>
+              <a:prstGeom prst="rect">
+                <a:avLst/>
+              </a:prstGeom>
+              <a:noFill/>
+            </p:spPr>
+            <p:txBody>
+              <a:bodyPr wrap="none" rtlCol="0">
+                <a:spAutoFit/>
+              </a:bodyPr>
+              <a:lstStyle/>
+              <a:p>
+                <a:r>
+                  <a:rPr lang="en-US" dirty="0" smtClean="0"/>
+                  <a:t>0.8</a:t>
+                </a:r>
+                <a:endParaRPr lang="en-US" dirty="0"/>
+              </a:p>
+            </p:txBody>
+          </p:sp>
+          <p:sp>
+            <p:nvSpPr>
+              <p:cNvPr id="16" name="Double Brace 15"/>
+              <p:cNvSpPr/>
+              <p:nvPr/>
+            </p:nvSpPr>
+            <p:spPr>
+              <a:xfrm>
+                <a:off x="9724030" y="2885358"/>
+                <a:ext cx="191069" cy="225188"/>
+              </a:xfrm>
+              <a:prstGeom prst="bracePair">
+                <a:avLst/>
+              </a:prstGeom>
+              <a:ln w="28575"/>
+            </p:spPr>
+            <p:style>
+              <a:lnRef idx="1">
+                <a:schemeClr val="accent1"/>
+              </a:lnRef>
+              <a:fillRef idx="0">
+                <a:schemeClr val="accent1"/>
+              </a:fillRef>
+              <a:effectRef idx="0">
+                <a:schemeClr val="accent1"/>
+              </a:effectRef>
+              <a:fontRef idx="minor">
+                <a:schemeClr val="tx1"/>
+              </a:fontRef>
+            </p:style>
+            <p:txBody>
+              <a:bodyPr rtlCol="0" anchor="ctr"/>
+              <a:lstStyle/>
+              <a:p>
+                <a:pPr algn="ctr"/>
+                <a:endParaRPr lang="en-US"/>
+              </a:p>
+            </p:txBody>
+          </p:sp>
+          <p:sp>
+            <p:nvSpPr>
+              <p:cNvPr id="17" name="TextBox 16"/>
+              <p:cNvSpPr txBox="1"/>
+              <p:nvPr/>
+            </p:nvSpPr>
+            <p:spPr>
+              <a:xfrm>
+                <a:off x="10375588" y="3108988"/>
+                <a:ext cx="593432" cy="369332"/>
+              </a:xfrm>
+              <a:prstGeom prst="rect">
+                <a:avLst/>
+              </a:prstGeom>
+              <a:noFill/>
+            </p:spPr>
+            <p:txBody>
+              <a:bodyPr wrap="none" rtlCol="0">
+                <a:spAutoFit/>
+              </a:bodyPr>
+              <a:lstStyle/>
+              <a:p>
+                <a:r>
+                  <a:rPr lang="en-US" dirty="0" smtClean="0"/>
+                  <a:t>0.04</a:t>
+                </a:r>
+                <a:endParaRPr lang="en-US" dirty="0"/>
+              </a:p>
+            </p:txBody>
+          </p:sp>
+          <p:sp>
+            <p:nvSpPr>
+              <p:cNvPr id="18" name="Double Brace 17"/>
+              <p:cNvSpPr/>
+              <p:nvPr/>
+            </p:nvSpPr>
+            <p:spPr>
+              <a:xfrm rot="5400000">
+                <a:off x="10166441" y="3158319"/>
+                <a:ext cx="172880" cy="225188"/>
+              </a:xfrm>
+              <a:prstGeom prst="bracePair">
+                <a:avLst/>
+              </a:prstGeom>
+              <a:ln w="28575"/>
+            </p:spPr>
+            <p:style>
+              <a:lnRef idx="1">
+                <a:schemeClr val="accent1"/>
+              </a:lnRef>
+              <a:fillRef idx="0">
+                <a:schemeClr val="accent1"/>
+              </a:fillRef>
+              <a:effectRef idx="0">
+                <a:schemeClr val="accent1"/>
+              </a:effectRef>
+              <a:fontRef idx="minor">
+                <a:schemeClr val="tx1"/>
+              </a:fontRef>
+            </p:style>
+            <p:txBody>
+              <a:bodyPr rtlCol="0" anchor="ctr"/>
+              <a:lstStyle/>
+              <a:p>
+                <a:pPr algn="ctr"/>
+                <a:endParaRPr lang="en-US"/>
+              </a:p>
+            </p:txBody>
+          </p:sp>
+          <p:sp>
+            <p:nvSpPr>
+              <p:cNvPr id="19" name="TextBox 18"/>
+              <p:cNvSpPr txBox="1"/>
+              <p:nvPr/>
+            </p:nvSpPr>
+            <p:spPr>
+              <a:xfrm>
+                <a:off x="9509200" y="2554156"/>
+                <a:ext cx="593432" cy="369332"/>
+              </a:xfrm>
+              <a:prstGeom prst="rect">
+                <a:avLst/>
+              </a:prstGeom>
+              <a:noFill/>
+            </p:spPr>
+            <p:txBody>
+              <a:bodyPr wrap="none" rtlCol="0">
+                <a:spAutoFit/>
+              </a:bodyPr>
+              <a:lstStyle/>
+              <a:p>
+                <a:r>
+                  <a:rPr lang="en-US" dirty="0" smtClean="0"/>
+                  <a:t>0.04</a:t>
+                </a:r>
+                <a:endParaRPr lang="en-US" dirty="0"/>
+              </a:p>
+            </p:txBody>
+          </p:sp>
+        </p:grpSp>
+      </p:grpSp>
+    </p:spTree>
+    <p:extLst>
+      <p:ext uri="{BB962C8B-B14F-4D97-AF65-F5344CB8AC3E}">
+        <p14:creationId xmlns:p14="http://schemas.microsoft.com/office/powerpoint/2010/main" val="1856894586"/>
+      </p:ext>
+    </p:extLst>
+  </p:cSld>
+  <p:clrMapOvr>
+    <a:masterClrMapping/>
+  </p:clrMapOvr>
+</p:sld>
+</file>
+
+<file path=ppt/slides/slide3.xml><?xml version="1.0" encoding="utf-8"?>
+<p:sld xmlns:a="http://schemas.openxmlformats.org/drawingml/2006/main" xmlns:r="http://schemas.openxmlformats.org/officeDocument/2006/relationships" xmlns:p="http://schemas.openxmlformats.org/presentationml/2006/main">
+  <p:cSld>
+    <p:spTree>
+      <p:nvGrpSpPr>
+        <p:cNvPr id="1" name=""/>
+        <p:cNvGrpSpPr/>
+        <p:nvPr/>
+      </p:nvGrpSpPr>
+      <p:grpSpPr>
+        <a:xfrm>
+          <a:off x="0" y="0"/>
+          <a:ext cx="0" cy="0"/>
+          <a:chOff x="0" y="0"/>
+          <a:chExt cx="0" cy="0"/>
+        </a:xfrm>
+      </p:grpSpPr>
+      <p:sp>
+        <p:nvSpPr>
+          <p:cNvPr id="2" name="Title 1"/>
+          <p:cNvSpPr>
+            <a:spLocks noGrp="1"/>
+          </p:cNvSpPr>
+          <p:nvPr>
+            <p:ph type="title"/>
+          </p:nvPr>
+        </p:nvSpPr>
+        <p:spPr>
+          <a:xfrm>
+            <a:off x="838200" y="365126"/>
+            <a:ext cx="10515600" cy="808582"/>
+          </a:xfrm>
+        </p:spPr>
+        <p:txBody>
+          <a:bodyPr/>
+          <a:lstStyle/>
+          <a:p>
+            <a:r>
+              <a:rPr lang="en-US" dirty="0" smtClean="0">
+                <a:latin typeface="Consolas" panose="020B0609020204030204" pitchFamily="49" charset="0"/>
+              </a:rPr>
+              <a:t>Metrics Interface: Results</a:t>
+            </a:r>
+            <a:endParaRPr lang="en-US" dirty="0">
+              <a:latin typeface="Consolas" panose="020B0609020204030204" pitchFamily="49" charset="0"/>
+            </a:endParaRPr>
+          </a:p>
+        </p:txBody>
+      </p:sp>
+      <p:sp>
+        <p:nvSpPr>
+          <p:cNvPr id="3" name="Content Placeholder 2"/>
+          <p:cNvSpPr>
+            <a:spLocks noGrp="1"/>
+          </p:cNvSpPr>
+          <p:nvPr>
+            <p:ph idx="1"/>
+          </p:nvPr>
+        </p:nvSpPr>
+        <p:spPr>
+          <a:xfrm>
+            <a:off x="838200" y="1173708"/>
+            <a:ext cx="10515600" cy="586853"/>
+          </a:xfrm>
+        </p:spPr>
+        <p:txBody>
+          <a:bodyPr>
+            <a:normAutofit/>
+          </a:bodyPr>
+          <a:lstStyle/>
+          <a:p>
+            <a:pPr marL="0" indent="0">
+              <a:buNone/>
+            </a:pPr>
+            <a:r>
+              <a:rPr lang="en-US" dirty="0">
+                <a:latin typeface="Consolas" panose="020B0609020204030204" pitchFamily="49" charset="0"/>
+              </a:rPr>
+              <a:t>function [score, results] = </a:t>
+            </a:r>
+            <a:r>
+              <a:rPr lang="en-US" dirty="0" err="1" smtClean="0">
+                <a:latin typeface="Consolas" panose="020B0609020204030204" pitchFamily="49" charset="0"/>
+              </a:rPr>
+              <a:t>fillRate</a:t>
+            </a:r>
+            <a:r>
+              <a:rPr lang="en-US" dirty="0" smtClean="0">
+                <a:latin typeface="Consolas" panose="020B0609020204030204" pitchFamily="49" charset="0"/>
+              </a:rPr>
+              <a:t>(frames</a:t>
+            </a:r>
+            <a:r>
+              <a:rPr lang="en-US" dirty="0">
+                <a:latin typeface="Consolas" panose="020B0609020204030204" pitchFamily="49" charset="0"/>
+              </a:rPr>
+              <a:t>, </a:t>
+            </a:r>
+            <a:r>
+              <a:rPr lang="en-US" dirty="0" err="1">
+                <a:latin typeface="Consolas" panose="020B0609020204030204" pitchFamily="49" charset="0"/>
+              </a:rPr>
+              <a:t>params</a:t>
+            </a:r>
+            <a:r>
+              <a:rPr lang="en-US" dirty="0" smtClean="0">
+                <a:latin typeface="Consolas" panose="020B0609020204030204" pitchFamily="49" charset="0"/>
+              </a:rPr>
+              <a:t>)</a:t>
+            </a:r>
+            <a:endParaRPr lang="en-US" dirty="0">
+              <a:latin typeface="Consolas" panose="020B0609020204030204" pitchFamily="49" charset="0"/>
+            </a:endParaRPr>
+          </a:p>
+        </p:txBody>
+      </p:sp>
+      <p:sp>
+        <p:nvSpPr>
+          <p:cNvPr id="4" name="TextBox 3"/>
+          <p:cNvSpPr txBox="1"/>
+          <p:nvPr/>
+        </p:nvSpPr>
+        <p:spPr>
+          <a:xfrm>
+            <a:off x="838200" y="2303013"/>
+            <a:ext cx="4490332" cy="3693319"/>
+          </a:xfrm>
+          <a:prstGeom prst="rect">
+            <a:avLst/>
+          </a:prstGeom>
+          <a:noFill/>
+        </p:spPr>
+        <p:txBody>
+          <a:bodyPr wrap="none" rtlCol="0">
+            <a:spAutoFit/>
+          </a:bodyPr>
+          <a:lstStyle/>
+          <a:p>
+            <a:r>
+              <a:rPr lang="en-US" dirty="0">
+                <a:latin typeface="Consolas" panose="020B0609020204030204" pitchFamily="49" charset="0"/>
+              </a:rPr>
+              <a:t>score =</a:t>
+            </a:r>
+          </a:p>
+          <a:p>
+            <a:r>
+              <a:rPr lang="en-US" dirty="0" smtClean="0">
+                <a:latin typeface="Consolas" panose="020B0609020204030204" pitchFamily="49" charset="0"/>
+              </a:rPr>
+              <a:t>   99.9295</a:t>
+            </a:r>
+          </a:p>
+          <a:p>
+            <a:endParaRPr lang="en-US" dirty="0">
+              <a:latin typeface="Consolas" panose="020B0609020204030204" pitchFamily="49" charset="0"/>
+            </a:endParaRPr>
+          </a:p>
+          <a:p>
+            <a:r>
+              <a:rPr lang="en-US" dirty="0" smtClean="0">
+                <a:latin typeface="Consolas" panose="020B0609020204030204" pitchFamily="49" charset="0"/>
+              </a:rPr>
+              <a:t>res </a:t>
+            </a:r>
+            <a:r>
+              <a:rPr lang="en-US" dirty="0">
+                <a:latin typeface="Consolas" panose="020B0609020204030204" pitchFamily="49" charset="0"/>
+              </a:rPr>
+              <a:t>= </a:t>
+            </a:r>
+          </a:p>
+          <a:p>
+            <a:r>
+              <a:rPr lang="en-US" dirty="0" err="1" smtClean="0">
+                <a:latin typeface="Consolas" panose="020B0609020204030204" pitchFamily="49" charset="0"/>
+              </a:rPr>
+              <a:t>struct</a:t>
+            </a:r>
+            <a:r>
+              <a:rPr lang="en-US" dirty="0" smtClean="0">
+                <a:latin typeface="Consolas" panose="020B0609020204030204" pitchFamily="49" charset="0"/>
+              </a:rPr>
+              <a:t> </a:t>
+            </a:r>
+            <a:r>
+              <a:rPr lang="en-US" dirty="0">
+                <a:latin typeface="Consolas" panose="020B0609020204030204" pitchFamily="49" charset="0"/>
+              </a:rPr>
+              <a:t>with fields</a:t>
+            </a:r>
+            <a:r>
+              <a:rPr lang="en-US" dirty="0" smtClean="0">
+                <a:latin typeface="Consolas" panose="020B0609020204030204" pitchFamily="49" charset="0"/>
+              </a:rPr>
+              <a:t>:</a:t>
+            </a:r>
+          </a:p>
+          <a:p>
+            <a:endParaRPr lang="en-US" dirty="0">
+              <a:latin typeface="Consolas" panose="020B0609020204030204" pitchFamily="49" charset="0"/>
+            </a:endParaRPr>
+          </a:p>
+          <a:p>
+            <a:r>
+              <a:rPr lang="en-US" dirty="0" smtClean="0">
+                <a:latin typeface="Consolas" panose="020B0609020204030204" pitchFamily="49" charset="0"/>
+              </a:rPr>
+              <a:t>    </a:t>
+            </a:r>
+            <a:r>
+              <a:rPr lang="en-US" dirty="0" err="1" smtClean="0">
+                <a:latin typeface="Consolas" panose="020B0609020204030204" pitchFamily="49" charset="0"/>
+              </a:rPr>
+              <a:t>frameFillRate</a:t>
+            </a:r>
+            <a:r>
+              <a:rPr lang="en-US" dirty="0">
+                <a:latin typeface="Consolas" panose="020B0609020204030204" pitchFamily="49" charset="0"/>
+              </a:rPr>
+              <a:t>: 99.9295</a:t>
+            </a:r>
+          </a:p>
+          <a:p>
+            <a:r>
+              <a:rPr lang="en-US" dirty="0">
+                <a:latin typeface="Consolas" panose="020B0609020204030204" pitchFamily="49" charset="0"/>
+              </a:rPr>
+              <a:t>     </a:t>
+            </a:r>
+            <a:r>
+              <a:rPr lang="en-US" dirty="0" err="1">
+                <a:latin typeface="Consolas" panose="020B0609020204030204" pitchFamily="49" charset="0"/>
+              </a:rPr>
+              <a:t>meanFillRate</a:t>
+            </a:r>
+            <a:r>
+              <a:rPr lang="en-US" dirty="0">
+                <a:latin typeface="Consolas" panose="020B0609020204030204" pitchFamily="49" charset="0"/>
+              </a:rPr>
+              <a:t>: 99.9314</a:t>
+            </a:r>
+          </a:p>
+          <a:p>
+            <a:r>
+              <a:rPr lang="en-US" dirty="0">
+                <a:latin typeface="Consolas" panose="020B0609020204030204" pitchFamily="49" charset="0"/>
+              </a:rPr>
+              <a:t>      </a:t>
+            </a:r>
+            <a:r>
+              <a:rPr lang="en-US" dirty="0" err="1">
+                <a:latin typeface="Consolas" panose="020B0609020204030204" pitchFamily="49" charset="0"/>
+              </a:rPr>
+              <a:t>stdFillRate</a:t>
+            </a:r>
+            <a:r>
+              <a:rPr lang="en-US" dirty="0">
+                <a:latin typeface="Consolas" panose="020B0609020204030204" pitchFamily="49" charset="0"/>
+              </a:rPr>
+              <a:t>: 0.0217</a:t>
+            </a:r>
+          </a:p>
+          <a:p>
+            <a:r>
+              <a:rPr lang="en-US" dirty="0">
+                <a:latin typeface="Consolas" panose="020B0609020204030204" pitchFamily="49" charset="0"/>
+              </a:rPr>
+              <a:t>            score: '</a:t>
+            </a:r>
+            <a:r>
+              <a:rPr lang="en-US" dirty="0" err="1">
+                <a:latin typeface="Consolas" panose="020B0609020204030204" pitchFamily="49" charset="0"/>
+              </a:rPr>
+              <a:t>frameFillRate</a:t>
+            </a:r>
+            <a:r>
+              <a:rPr lang="en-US" dirty="0">
+                <a:latin typeface="Consolas" panose="020B0609020204030204" pitchFamily="49" charset="0"/>
+              </a:rPr>
+              <a:t>'</a:t>
+            </a:r>
+          </a:p>
+          <a:p>
+            <a:r>
+              <a:rPr lang="en-US" dirty="0">
+                <a:latin typeface="Consolas" panose="020B0609020204030204" pitchFamily="49" charset="0"/>
+              </a:rPr>
+              <a:t>            units: 'percentage'</a:t>
+            </a:r>
+          </a:p>
+          <a:p>
+            <a:r>
+              <a:rPr lang="en-US" dirty="0">
+                <a:latin typeface="Consolas" panose="020B0609020204030204" pitchFamily="49" charset="0"/>
+              </a:rPr>
+              <a:t>            error: 0</a:t>
+            </a:r>
+            <a:endParaRPr lang="en-US" dirty="0" smtClean="0">
+              <a:latin typeface="Consolas" panose="020B0609020204030204" pitchFamily="49" charset="0"/>
+            </a:endParaRPr>
+          </a:p>
+          <a:p>
+            <a:endParaRPr lang="en-US" dirty="0">
+              <a:latin typeface="Consolas" panose="020B0609020204030204" pitchFamily="49" charset="0"/>
+            </a:endParaRPr>
+          </a:p>
+        </p:txBody>
+      </p:sp>
+      <p:pic>
+        <p:nvPicPr>
+          <p:cNvPr id="7" name="Picture 6"/>
+          <p:cNvPicPr>
+            <a:picLocks noChangeAspect="1"/>
+          </p:cNvPicPr>
+          <p:nvPr/>
+        </p:nvPicPr>
+        <p:blipFill>
+          <a:blip r:embed="rId2"/>
+          <a:stretch>
+            <a:fillRect/>
+          </a:stretch>
+        </p:blipFill>
+        <p:spPr>
+          <a:xfrm>
+            <a:off x="5328532" y="2058173"/>
+            <a:ext cx="5473745" cy="3906000"/>
+          </a:xfrm>
+          <a:prstGeom prst="rect">
+            <a:avLst/>
+          </a:prstGeom>
+        </p:spPr>
+      </p:pic>
+    </p:spTree>
+    <p:extLst>
+      <p:ext uri="{BB962C8B-B14F-4D97-AF65-F5344CB8AC3E}">
+        <p14:creationId xmlns:p14="http://schemas.microsoft.com/office/powerpoint/2010/main" val="398571471"/>
+      </p:ext>
+    </p:extLst>
+  </p:cSld>
+  <p:clrMapOvr>
+    <a:masterClrMapping/>
+  </p:clrMapOvr>
+</p:sld>
+</file>
+
+<file path=ppt/slides/slide4.xml><?xml version="1.0" encoding="utf-8"?>
+<p:sld xmlns:a="http://schemas.openxmlformats.org/drawingml/2006/main" xmlns:r="http://schemas.openxmlformats.org/officeDocument/2006/relationships" xmlns:p="http://schemas.openxmlformats.org/presentationml/2006/main">
+  <p:cSld>
+    <p:spTree>
+      <p:nvGrpSpPr>
+        <p:cNvPr id="1" name=""/>
+        <p:cNvGrpSpPr/>
+        <p:nvPr/>
+      </p:nvGrpSpPr>
+      <p:grpSpPr>
+        <a:xfrm>
+          <a:off x="0" y="0"/>
+          <a:ext cx="0" cy="0"/>
+          <a:chOff x="0" y="0"/>
+          <a:chExt cx="0" cy="0"/>
+        </a:xfrm>
+      </p:grpSpPr>
+      <p:sp>
+        <p:nvSpPr>
+          <p:cNvPr id="2" name="Title 1"/>
+          <p:cNvSpPr>
+            <a:spLocks noGrp="1"/>
+          </p:cNvSpPr>
+          <p:nvPr>
+            <p:ph type="title"/>
+          </p:nvPr>
+        </p:nvSpPr>
+        <p:spPr>
+          <a:xfrm>
             <a:off x="838200" y="365125"/>
             <a:ext cx="10515600" cy="760815"/>
           </a:xfrm>
@@ -3071,7 +4093,11 @@
           <a:p>
             <a:r>
               <a:rPr lang="en-US" dirty="0" smtClean="0"/>
-              <a:t>LOS Grid Drift</a:t>
+              <a:t>Metrics: LOS </a:t>
+            </a:r>
+            <a:r>
+              <a:rPr lang="en-US" dirty="0" smtClean="0"/>
+              <a:t>Grid Drift</a:t>
             </a:r>
             <a:endParaRPr lang="en-US" dirty="0"/>
           </a:p>
@@ -3120,13 +4146,8 @@
             </a:br>
             <a:r>
               <a:rPr lang="en-US" dirty="0" smtClean="0"/>
-              <a:t>x’s and y’s </a:t>
-            </a:r>
-            <a:r>
-              <a:rPr lang="en-US" dirty="0" smtClean="0"/>
-              <a:t>to measure drift</a:t>
-            </a:r>
-            <a:endParaRPr lang="en-US" dirty="0" smtClean="0"/>
+              <a:t>x’s and y’s to measure drift</a:t>
+            </a:r>
           </a:p>
           <a:p>
             <a:endParaRPr lang="en-US" dirty="0"/>
@@ -3412,7 +4433,7 @@
 </p:sld>
 </file>
 
-<file path=ppt/slides/slide3.xml><?xml version="1.0" encoding="utf-8"?>
+<file path=ppt/slides/slide5.xml><?xml version="1.0" encoding="utf-8"?>
 <p:sld xmlns:a="http://schemas.openxmlformats.org/drawingml/2006/main" xmlns:r="http://schemas.openxmlformats.org/officeDocument/2006/relationships" xmlns:p="http://schemas.openxmlformats.org/presentationml/2006/main">
   <p:cSld>
     <p:spTree>
@@ -3450,8 +4471,12 @@
           <a:lstStyle/>
           <a:p>
             <a:r>
+              <a:rPr lang="en-US" dirty="0"/>
+              <a:t>Metrics: LOS </a:t>
+            </a:r>
+            <a:r>
               <a:rPr lang="en-US" dirty="0" smtClean="0"/>
-              <a:t>LOS FOV and Laser Drift</a:t>
+              <a:t>FOV and Laser Drift</a:t>
             </a:r>
             <a:endParaRPr lang="en-US" dirty="0"/>
           </a:p>
@@ -3953,6 +4978,1200 @@
     <p:extLst>
       <p:ext uri="{BB962C8B-B14F-4D97-AF65-F5344CB8AC3E}">
         <p14:creationId xmlns:p14="http://schemas.microsoft.com/office/powerpoint/2010/main" val="34644389"/>
+      </p:ext>
+    </p:extLst>
+  </p:cSld>
+  <p:clrMapOvr>
+    <a:masterClrMapping/>
+  </p:clrMapOvr>
+</p:sld>
+</file>
+
+<file path=ppt/slides/slide6.xml><?xml version="1.0" encoding="utf-8"?>
+<p:sld xmlns:a="http://schemas.openxmlformats.org/drawingml/2006/main" xmlns:r="http://schemas.openxmlformats.org/officeDocument/2006/relationships" xmlns:p="http://schemas.openxmlformats.org/presentationml/2006/main">
+  <p:cSld>
+    <p:spTree>
+      <p:nvGrpSpPr>
+        <p:cNvPr id="1" name=""/>
+        <p:cNvGrpSpPr/>
+        <p:nvPr/>
+      </p:nvGrpSpPr>
+      <p:grpSpPr>
+        <a:xfrm>
+          <a:off x="0" y="0"/>
+          <a:ext cx="0" cy="0"/>
+          <a:chOff x="0" y="0"/>
+          <a:chExt cx="0" cy="0"/>
+        </a:xfrm>
+      </p:grpSpPr>
+      <p:sp>
+        <p:nvSpPr>
+          <p:cNvPr id="2" name="Title 1"/>
+          <p:cNvSpPr>
+            <a:spLocks noGrp="1"/>
+          </p:cNvSpPr>
+          <p:nvPr>
+            <p:ph type="title"/>
+          </p:nvPr>
+        </p:nvSpPr>
+        <p:spPr>
+          <a:xfrm>
+            <a:off x="838200" y="365125"/>
+            <a:ext cx="10515600" cy="760815"/>
+          </a:xfrm>
+        </p:spPr>
+        <p:txBody>
+          <a:bodyPr/>
+          <a:lstStyle/>
+          <a:p>
+            <a:r>
+              <a:rPr lang="en-US" dirty="0"/>
+              <a:t>Metrics: </a:t>
+            </a:r>
+            <a:r>
+              <a:rPr lang="en-US" dirty="0" err="1" smtClean="0"/>
+              <a:t>PlaneFit</a:t>
+            </a:r>
+            <a:r>
+              <a:rPr lang="en-US" dirty="0" smtClean="0"/>
+              <a:t> (</a:t>
+            </a:r>
+            <a:r>
+              <a:rPr lang="en-US" dirty="0" err="1" smtClean="0"/>
+              <a:t>zStd</a:t>
+            </a:r>
+            <a:r>
+              <a:rPr lang="en-US" dirty="0" smtClean="0"/>
+              <a:t>)</a:t>
+            </a:r>
+            <a:endParaRPr lang="en-US" dirty="0"/>
+          </a:p>
+        </p:txBody>
+      </p:sp>
+      <p:sp>
+        <p:nvSpPr>
+          <p:cNvPr id="3" name="Content Placeholder 2"/>
+          <p:cNvSpPr>
+            <a:spLocks noGrp="1"/>
+          </p:cNvSpPr>
+          <p:nvPr>
+            <p:ph idx="1"/>
+          </p:nvPr>
+        </p:nvSpPr>
+        <p:spPr>
+          <a:xfrm>
+            <a:off x="838200" y="1125940"/>
+            <a:ext cx="10515600" cy="5051023"/>
+          </a:xfrm>
+        </p:spPr>
+        <p:txBody>
+          <a:bodyPr/>
+          <a:lstStyle/>
+          <a:p>
+            <a:r>
+              <a:rPr lang="en-US" dirty="0" smtClean="0"/>
+              <a:t>Check how </a:t>
+            </a:r>
+            <a:r>
+              <a:rPr lang="en-US" dirty="0" smtClean="0"/>
+              <a:t>far the points of the wall from the fit plane</a:t>
+            </a:r>
+            <a:endParaRPr lang="en-US" dirty="0" smtClean="0"/>
+          </a:p>
+          <a:p>
+            <a:pPr lvl="1"/>
+            <a:r>
+              <a:rPr lang="en-US" dirty="0" smtClean="0"/>
+              <a:t>Fit plane for every frame</a:t>
+            </a:r>
+            <a:endParaRPr lang="en-US" dirty="0" smtClean="0"/>
+          </a:p>
+          <a:p>
+            <a:pPr lvl="1"/>
+            <a:r>
+              <a:rPr lang="en-US" dirty="0" smtClean="0"/>
+              <a:t>Measure distances (z only) from the plane</a:t>
+            </a:r>
+            <a:endParaRPr lang="en-US" dirty="0" smtClean="0"/>
+          </a:p>
+          <a:p>
+            <a:endParaRPr lang="en-US" dirty="0"/>
+          </a:p>
+        </p:txBody>
+      </p:sp>
+      <p:sp>
+        <p:nvSpPr>
+          <p:cNvPr id="9" name="TextBox 8"/>
+          <p:cNvSpPr txBox="1"/>
+          <p:nvPr/>
+        </p:nvSpPr>
+        <p:spPr>
+          <a:xfrm>
+            <a:off x="6558759" y="2627017"/>
+            <a:ext cx="4612944" cy="2616101"/>
+          </a:xfrm>
+          <a:prstGeom prst="rect">
+            <a:avLst/>
+          </a:prstGeom>
+          <a:noFill/>
+        </p:spPr>
+        <p:txBody>
+          <a:bodyPr wrap="square" rtlCol="0">
+            <a:spAutoFit/>
+          </a:bodyPr>
+          <a:lstStyle/>
+          <a:p>
+            <a:r>
+              <a:rPr lang="en-US" sz="1600" dirty="0">
+                <a:latin typeface="Consolas" panose="020B0609020204030204" pitchFamily="49" charset="0"/>
+              </a:rPr>
+              <a:t>score =</a:t>
+            </a:r>
+          </a:p>
+          <a:p>
+            <a:r>
+              <a:rPr lang="en-US" sz="1600" dirty="0" smtClean="0">
+                <a:latin typeface="Consolas" panose="020B0609020204030204" pitchFamily="49" charset="0"/>
+              </a:rPr>
+              <a:t>    </a:t>
+            </a:r>
+            <a:r>
+              <a:rPr lang="en-US" sz="1600" dirty="0">
+                <a:latin typeface="Consolas" panose="020B0609020204030204" pitchFamily="49" charset="0"/>
+              </a:rPr>
+              <a:t>3.3555</a:t>
+            </a:r>
+          </a:p>
+          <a:p>
+            <a:endParaRPr lang="en-US" sz="1600" dirty="0">
+              <a:latin typeface="Consolas" panose="020B0609020204030204" pitchFamily="49" charset="0"/>
+            </a:endParaRPr>
+          </a:p>
+          <a:p>
+            <a:r>
+              <a:rPr lang="en-US" sz="1600" dirty="0">
+                <a:latin typeface="Consolas" panose="020B0609020204030204" pitchFamily="49" charset="0"/>
+              </a:rPr>
+              <a:t>res = </a:t>
+            </a:r>
+          </a:p>
+          <a:p>
+            <a:r>
+              <a:rPr lang="en-US" sz="1600" dirty="0" smtClean="0">
+                <a:latin typeface="Consolas" panose="020B0609020204030204" pitchFamily="49" charset="0"/>
+              </a:rPr>
+              <a:t>  </a:t>
+            </a:r>
+            <a:r>
+              <a:rPr lang="en-US" sz="1600" dirty="0" err="1">
+                <a:latin typeface="Consolas" panose="020B0609020204030204" pitchFamily="49" charset="0"/>
+              </a:rPr>
+              <a:t>struct</a:t>
+            </a:r>
+            <a:r>
+              <a:rPr lang="en-US" sz="1600" dirty="0">
+                <a:latin typeface="Consolas" panose="020B0609020204030204" pitchFamily="49" charset="0"/>
+              </a:rPr>
+              <a:t> with fields:</a:t>
+            </a:r>
+          </a:p>
+          <a:p>
+            <a:r>
+              <a:rPr lang="en-US" sz="1600" dirty="0" smtClean="0">
+                <a:latin typeface="Consolas" panose="020B0609020204030204" pitchFamily="49" charset="0"/>
+              </a:rPr>
+              <a:t>    </a:t>
+            </a:r>
+            <a:r>
+              <a:rPr lang="en-US" sz="1600" dirty="0" err="1">
+                <a:latin typeface="Consolas" panose="020B0609020204030204" pitchFamily="49" charset="0"/>
+              </a:rPr>
+              <a:t>rmsPlaneFitDist</a:t>
+            </a:r>
+            <a:r>
+              <a:rPr lang="en-US" sz="1600" dirty="0">
+                <a:latin typeface="Consolas" panose="020B0609020204030204" pitchFamily="49" charset="0"/>
+              </a:rPr>
+              <a:t>: 3.3555</a:t>
+            </a:r>
+          </a:p>
+          <a:p>
+            <a:r>
+              <a:rPr lang="en-US" sz="1600" dirty="0">
+                <a:latin typeface="Consolas" panose="020B0609020204030204" pitchFamily="49" charset="0"/>
+              </a:rPr>
+              <a:t>    </a:t>
+            </a:r>
+            <a:r>
+              <a:rPr lang="en-US" sz="1600" dirty="0" err="1">
+                <a:latin typeface="Consolas" panose="020B0609020204030204" pitchFamily="49" charset="0"/>
+              </a:rPr>
+              <a:t>maxPlaneFitDist</a:t>
+            </a:r>
+            <a:r>
+              <a:rPr lang="en-US" sz="1600" dirty="0">
+                <a:latin typeface="Consolas" panose="020B0609020204030204" pitchFamily="49" charset="0"/>
+              </a:rPr>
+              <a:t>: 13.7116</a:t>
+            </a:r>
+          </a:p>
+          <a:p>
+            <a:r>
+              <a:rPr lang="en-US" sz="1600" dirty="0">
+                <a:latin typeface="Consolas" panose="020B0609020204030204" pitchFamily="49" charset="0"/>
+              </a:rPr>
+              <a:t>              score: '</a:t>
+            </a:r>
+            <a:r>
+              <a:rPr lang="en-US" sz="1600" dirty="0" err="1">
+                <a:latin typeface="Consolas" panose="020B0609020204030204" pitchFamily="49" charset="0"/>
+              </a:rPr>
+              <a:t>rmsPlaneFitDist</a:t>
+            </a:r>
+            <a:r>
+              <a:rPr lang="en-US" sz="1600" dirty="0">
+                <a:latin typeface="Consolas" panose="020B0609020204030204" pitchFamily="49" charset="0"/>
+              </a:rPr>
+              <a:t>'</a:t>
+            </a:r>
+          </a:p>
+          <a:p>
+            <a:r>
+              <a:rPr lang="en-US" sz="1600" dirty="0">
+                <a:latin typeface="Consolas" panose="020B0609020204030204" pitchFamily="49" charset="0"/>
+              </a:rPr>
+              <a:t>              units: 'mm'</a:t>
+            </a:r>
+          </a:p>
+          <a:p>
+            <a:r>
+              <a:rPr lang="en-US" sz="1600" dirty="0">
+                <a:latin typeface="Consolas" panose="020B0609020204030204" pitchFamily="49" charset="0"/>
+              </a:rPr>
+              <a:t>              error: 0</a:t>
+            </a:r>
+            <a:endParaRPr lang="en-US" sz="1000" dirty="0">
+              <a:latin typeface="Consolas" panose="020B0609020204030204" pitchFamily="49" charset="0"/>
+              <a:cs typeface="Courier New" panose="02070309020205020404" pitchFamily="49" charset="0"/>
+            </a:endParaRPr>
+          </a:p>
+        </p:txBody>
+      </p:sp>
+      <p:pic>
+        <p:nvPicPr>
+          <p:cNvPr id="5" name="Picture 4"/>
+          <p:cNvPicPr>
+            <a:picLocks noChangeAspect="1"/>
+          </p:cNvPicPr>
+          <p:nvPr/>
+        </p:nvPicPr>
+        <p:blipFill>
+          <a:blip r:embed="rId2"/>
+          <a:stretch>
+            <a:fillRect/>
+          </a:stretch>
+        </p:blipFill>
+        <p:spPr>
+          <a:xfrm>
+            <a:off x="838200" y="2627017"/>
+            <a:ext cx="4841350" cy="3852934"/>
+          </a:xfrm>
+          <a:prstGeom prst="rect">
+            <a:avLst/>
+          </a:prstGeom>
+        </p:spPr>
+      </p:pic>
+    </p:spTree>
+    <p:extLst>
+      <p:ext uri="{BB962C8B-B14F-4D97-AF65-F5344CB8AC3E}">
+        <p14:creationId xmlns:p14="http://schemas.microsoft.com/office/powerpoint/2010/main" val="995194024"/>
+      </p:ext>
+    </p:extLst>
+  </p:cSld>
+  <p:clrMapOvr>
+    <a:masterClrMapping/>
+  </p:clrMapOvr>
+</p:sld>
+</file>
+
+<file path=ppt/slides/slide7.xml><?xml version="1.0" encoding="utf-8"?>
+<p:sld xmlns:a="http://schemas.openxmlformats.org/drawingml/2006/main" xmlns:r="http://schemas.openxmlformats.org/officeDocument/2006/relationships" xmlns:p="http://schemas.openxmlformats.org/presentationml/2006/main">
+  <p:cSld>
+    <p:spTree>
+      <p:nvGrpSpPr>
+        <p:cNvPr id="1" name=""/>
+        <p:cNvGrpSpPr/>
+        <p:nvPr/>
+      </p:nvGrpSpPr>
+      <p:grpSpPr>
+        <a:xfrm>
+          <a:off x="0" y="0"/>
+          <a:ext cx="0" cy="0"/>
+          <a:chOff x="0" y="0"/>
+          <a:chExt cx="0" cy="0"/>
+        </a:xfrm>
+      </p:grpSpPr>
+      <p:sp>
+        <p:nvSpPr>
+          <p:cNvPr id="2" name="Title 1"/>
+          <p:cNvSpPr>
+            <a:spLocks noGrp="1"/>
+          </p:cNvSpPr>
+          <p:nvPr>
+            <p:ph type="title"/>
+          </p:nvPr>
+        </p:nvSpPr>
+        <p:spPr>
+          <a:xfrm>
+            <a:off x="838200" y="365125"/>
+            <a:ext cx="10515600" cy="760815"/>
+          </a:xfrm>
+        </p:spPr>
+        <p:txBody>
+          <a:bodyPr/>
+          <a:lstStyle/>
+          <a:p>
+            <a:r>
+              <a:rPr lang="en-US" dirty="0"/>
+              <a:t>Metrics: </a:t>
+            </a:r>
+            <a:r>
+              <a:rPr lang="en-US" dirty="0" smtClean="0"/>
+              <a:t>Grid Inter Distances (Alex’s error)</a:t>
+            </a:r>
+            <a:endParaRPr lang="en-US" dirty="0"/>
+          </a:p>
+        </p:txBody>
+      </p:sp>
+      <p:sp>
+        <p:nvSpPr>
+          <p:cNvPr id="3" name="Content Placeholder 2"/>
+          <p:cNvSpPr>
+            <a:spLocks noGrp="1"/>
+          </p:cNvSpPr>
+          <p:nvPr>
+            <p:ph idx="1"/>
+          </p:nvPr>
+        </p:nvSpPr>
+        <p:spPr>
+          <a:xfrm>
+            <a:off x="838200" y="1125940"/>
+            <a:ext cx="10515600" cy="5051023"/>
+          </a:xfrm>
+        </p:spPr>
+        <p:txBody>
+          <a:bodyPr/>
+          <a:lstStyle/>
+          <a:p>
+            <a:r>
+              <a:rPr lang="en-US" dirty="0" smtClean="0"/>
+              <a:t>Check </a:t>
+            </a:r>
+            <a:r>
+              <a:rPr lang="en-US" dirty="0" smtClean="0"/>
+              <a:t>how </a:t>
+            </a:r>
+            <a:r>
+              <a:rPr lang="en-US" dirty="0"/>
+              <a:t>far the </a:t>
+            </a:r>
+            <a:r>
+              <a:rPr lang="en-US" dirty="0" smtClean="0"/>
+              <a:t>distances between all possible corners in 3D from the real distances</a:t>
+            </a:r>
+            <a:endParaRPr lang="en-US" dirty="0" smtClean="0"/>
+          </a:p>
+          <a:p>
+            <a:pPr lvl="1"/>
+            <a:r>
+              <a:rPr lang="en-US" dirty="0" err="1" smtClean="0"/>
+              <a:t>Unproject</a:t>
+            </a:r>
+            <a:r>
+              <a:rPr lang="en-US" dirty="0" smtClean="0"/>
+              <a:t> corners into 3D</a:t>
+            </a:r>
+            <a:endParaRPr lang="en-US" dirty="0" smtClean="0"/>
+          </a:p>
+          <a:p>
+            <a:pPr lvl="1"/>
+            <a:r>
+              <a:rPr lang="en-US" dirty="0" smtClean="0"/>
+              <a:t>Compare the distances</a:t>
+            </a:r>
+            <a:endParaRPr lang="en-US" dirty="0" smtClean="0"/>
+          </a:p>
+          <a:p>
+            <a:endParaRPr lang="en-US" dirty="0"/>
+          </a:p>
+        </p:txBody>
+      </p:sp>
+      <p:sp>
+        <p:nvSpPr>
+          <p:cNvPr id="9" name="TextBox 8"/>
+          <p:cNvSpPr txBox="1"/>
+          <p:nvPr/>
+        </p:nvSpPr>
+        <p:spPr>
+          <a:xfrm>
+            <a:off x="6531463" y="2893326"/>
+            <a:ext cx="4612944" cy="2800767"/>
+          </a:xfrm>
+          <a:prstGeom prst="rect">
+            <a:avLst/>
+          </a:prstGeom>
+          <a:noFill/>
+        </p:spPr>
+        <p:txBody>
+          <a:bodyPr wrap="square" rtlCol="0">
+            <a:spAutoFit/>
+          </a:bodyPr>
+          <a:lstStyle/>
+          <a:p>
+            <a:r>
+              <a:rPr lang="en-US" sz="1600" dirty="0">
+                <a:latin typeface="Consolas" panose="020B0609020204030204" pitchFamily="49" charset="0"/>
+              </a:rPr>
+              <a:t>score =</a:t>
+            </a:r>
+          </a:p>
+          <a:p>
+            <a:r>
+              <a:rPr lang="en-US" sz="1600" dirty="0" smtClean="0">
+                <a:latin typeface="Consolas" panose="020B0609020204030204" pitchFamily="49" charset="0"/>
+              </a:rPr>
+              <a:t>    </a:t>
+            </a:r>
+            <a:r>
+              <a:rPr lang="en-US" sz="1600" dirty="0">
+                <a:latin typeface="Consolas" panose="020B0609020204030204" pitchFamily="49" charset="0"/>
+              </a:rPr>
+              <a:t>2.0547</a:t>
+            </a:r>
+          </a:p>
+          <a:p>
+            <a:endParaRPr lang="en-US" sz="1600" dirty="0">
+              <a:latin typeface="Consolas" panose="020B0609020204030204" pitchFamily="49" charset="0"/>
+            </a:endParaRPr>
+          </a:p>
+          <a:p>
+            <a:r>
+              <a:rPr lang="en-US" sz="1600" dirty="0">
+                <a:latin typeface="Consolas" panose="020B0609020204030204" pitchFamily="49" charset="0"/>
+              </a:rPr>
+              <a:t>res = </a:t>
+            </a:r>
+          </a:p>
+          <a:p>
+            <a:r>
+              <a:rPr lang="en-US" sz="1600" dirty="0" smtClean="0">
+                <a:latin typeface="Consolas" panose="020B0609020204030204" pitchFamily="49" charset="0"/>
+              </a:rPr>
+              <a:t>  </a:t>
+            </a:r>
+            <a:r>
+              <a:rPr lang="en-US" sz="1600" dirty="0" err="1">
+                <a:latin typeface="Consolas" panose="020B0609020204030204" pitchFamily="49" charset="0"/>
+              </a:rPr>
+              <a:t>struct</a:t>
+            </a:r>
+            <a:r>
+              <a:rPr lang="en-US" sz="1600" dirty="0">
+                <a:latin typeface="Consolas" panose="020B0609020204030204" pitchFamily="49" charset="0"/>
+              </a:rPr>
+              <a:t> with fields:</a:t>
+            </a:r>
+          </a:p>
+          <a:p>
+            <a:endParaRPr lang="en-US" sz="1600" dirty="0">
+              <a:latin typeface="Consolas" panose="020B0609020204030204" pitchFamily="49" charset="0"/>
+            </a:endParaRPr>
+          </a:p>
+          <a:p>
+            <a:r>
+              <a:rPr lang="en-US" sz="1600" dirty="0">
+                <a:latin typeface="Consolas" panose="020B0609020204030204" pitchFamily="49" charset="0"/>
+              </a:rPr>
+              <a:t>    </a:t>
+            </a:r>
+            <a:r>
+              <a:rPr lang="en-US" sz="1600" dirty="0" err="1">
+                <a:latin typeface="Consolas" panose="020B0609020204030204" pitchFamily="49" charset="0"/>
+              </a:rPr>
+              <a:t>meanError</a:t>
+            </a:r>
+            <a:r>
+              <a:rPr lang="en-US" sz="1600" dirty="0">
+                <a:latin typeface="Consolas" panose="020B0609020204030204" pitchFamily="49" charset="0"/>
+              </a:rPr>
+              <a:t>: 2.0547</a:t>
+            </a:r>
+          </a:p>
+          <a:p>
+            <a:r>
+              <a:rPr lang="en-US" sz="1600" dirty="0">
+                <a:latin typeface="Consolas" panose="020B0609020204030204" pitchFamily="49" charset="0"/>
+              </a:rPr>
+              <a:t>     </a:t>
+            </a:r>
+            <a:r>
+              <a:rPr lang="en-US" sz="1600" dirty="0" err="1">
+                <a:latin typeface="Consolas" panose="020B0609020204030204" pitchFamily="49" charset="0"/>
+              </a:rPr>
+              <a:t>rmsError</a:t>
+            </a:r>
+            <a:r>
+              <a:rPr lang="en-US" sz="1600" dirty="0">
+                <a:latin typeface="Consolas" panose="020B0609020204030204" pitchFamily="49" charset="0"/>
+              </a:rPr>
+              <a:t>: 2.5894</a:t>
+            </a:r>
+          </a:p>
+          <a:p>
+            <a:r>
+              <a:rPr lang="en-US" sz="1600" dirty="0">
+                <a:latin typeface="Consolas" panose="020B0609020204030204" pitchFamily="49" charset="0"/>
+              </a:rPr>
+              <a:t>        score: '</a:t>
+            </a:r>
+            <a:r>
+              <a:rPr lang="en-US" sz="1600" dirty="0" err="1">
+                <a:latin typeface="Consolas" panose="020B0609020204030204" pitchFamily="49" charset="0"/>
+              </a:rPr>
+              <a:t>meanError</a:t>
+            </a:r>
+            <a:r>
+              <a:rPr lang="en-US" sz="1600" dirty="0">
+                <a:latin typeface="Consolas" panose="020B0609020204030204" pitchFamily="49" charset="0"/>
+              </a:rPr>
+              <a:t>'</a:t>
+            </a:r>
+          </a:p>
+          <a:p>
+            <a:r>
+              <a:rPr lang="en-US" sz="1600" dirty="0">
+                <a:latin typeface="Consolas" panose="020B0609020204030204" pitchFamily="49" charset="0"/>
+              </a:rPr>
+              <a:t>        units: 'mm'</a:t>
+            </a:r>
+          </a:p>
+          <a:p>
+            <a:r>
+              <a:rPr lang="en-US" sz="1600" dirty="0">
+                <a:latin typeface="Consolas" panose="020B0609020204030204" pitchFamily="49" charset="0"/>
+              </a:rPr>
+              <a:t>        error: 0</a:t>
+            </a:r>
+          </a:p>
+        </p:txBody>
+      </p:sp>
+      <p:pic>
+        <p:nvPicPr>
+          <p:cNvPr id="4" name="Picture 3"/>
+          <p:cNvPicPr>
+            <a:picLocks noChangeAspect="1"/>
+          </p:cNvPicPr>
+          <p:nvPr/>
+        </p:nvPicPr>
+        <p:blipFill>
+          <a:blip r:embed="rId2"/>
+          <a:stretch>
+            <a:fillRect/>
+          </a:stretch>
+        </p:blipFill>
+        <p:spPr>
+          <a:xfrm>
+            <a:off x="838200" y="2893326"/>
+            <a:ext cx="4606118" cy="3730955"/>
+          </a:xfrm>
+          <a:prstGeom prst="rect">
+            <a:avLst/>
+          </a:prstGeom>
+        </p:spPr>
+      </p:pic>
+    </p:spTree>
+    <p:extLst>
+      <p:ext uri="{BB962C8B-B14F-4D97-AF65-F5344CB8AC3E}">
+        <p14:creationId xmlns:p14="http://schemas.microsoft.com/office/powerpoint/2010/main" val="509753356"/>
+      </p:ext>
+    </p:extLst>
+  </p:cSld>
+  <p:clrMapOvr>
+    <a:masterClrMapping/>
+  </p:clrMapOvr>
+</p:sld>
+</file>
+
+<file path=ppt/slides/slide8.xml><?xml version="1.0" encoding="utf-8"?>
+<p:sld xmlns:a="http://schemas.openxmlformats.org/drawingml/2006/main" xmlns:r="http://schemas.openxmlformats.org/officeDocument/2006/relationships" xmlns:p="http://schemas.openxmlformats.org/presentationml/2006/main">
+  <p:cSld>
+    <p:spTree>
+      <p:nvGrpSpPr>
+        <p:cNvPr id="1" name=""/>
+        <p:cNvGrpSpPr/>
+        <p:nvPr/>
+      </p:nvGrpSpPr>
+      <p:grpSpPr>
+        <a:xfrm>
+          <a:off x="0" y="0"/>
+          <a:ext cx="0" cy="0"/>
+          <a:chOff x="0" y="0"/>
+          <a:chExt cx="0" cy="0"/>
+        </a:xfrm>
+      </p:grpSpPr>
+      <p:sp>
+        <p:nvSpPr>
+          <p:cNvPr id="2" name="Title 1"/>
+          <p:cNvSpPr>
+            <a:spLocks noGrp="1"/>
+          </p:cNvSpPr>
+          <p:nvPr>
+            <p:ph type="title"/>
+          </p:nvPr>
+        </p:nvSpPr>
+        <p:spPr>
+          <a:xfrm>
+            <a:off x="838200" y="365125"/>
+            <a:ext cx="10515600" cy="760815"/>
+          </a:xfrm>
+        </p:spPr>
+        <p:txBody>
+          <a:bodyPr/>
+          <a:lstStyle/>
+          <a:p>
+            <a:r>
+              <a:rPr lang="en-US" dirty="0"/>
+              <a:t>Metrics: </a:t>
+            </a:r>
+            <a:r>
+              <a:rPr lang="en-US" dirty="0" smtClean="0"/>
+              <a:t>Grid Edge Sharpness</a:t>
+            </a:r>
+            <a:endParaRPr lang="en-US" dirty="0"/>
+          </a:p>
+        </p:txBody>
+      </p:sp>
+      <p:sp>
+        <p:nvSpPr>
+          <p:cNvPr id="3" name="Content Placeholder 2"/>
+          <p:cNvSpPr>
+            <a:spLocks noGrp="1"/>
+          </p:cNvSpPr>
+          <p:nvPr>
+            <p:ph idx="1"/>
+          </p:nvPr>
+        </p:nvSpPr>
+        <p:spPr>
+          <a:xfrm>
+            <a:off x="838200" y="1125940"/>
+            <a:ext cx="10515600" cy="5051023"/>
+          </a:xfrm>
+        </p:spPr>
+        <p:txBody>
+          <a:bodyPr/>
+          <a:lstStyle/>
+          <a:p>
+            <a:r>
+              <a:rPr lang="en-US" dirty="0" smtClean="0"/>
+              <a:t>Check </a:t>
+            </a:r>
+            <a:r>
+              <a:rPr lang="en-US" dirty="0" smtClean="0"/>
+              <a:t>how sharp the edges of the grid</a:t>
+            </a:r>
+            <a:endParaRPr lang="en-US" dirty="0" smtClean="0"/>
+          </a:p>
+          <a:p>
+            <a:pPr lvl="1"/>
+            <a:r>
+              <a:rPr lang="en-US" dirty="0" smtClean="0"/>
+              <a:t>Find the checkboard</a:t>
+            </a:r>
+            <a:endParaRPr lang="en-US" dirty="0" smtClean="0"/>
+          </a:p>
+          <a:p>
+            <a:pPr lvl="1"/>
+            <a:r>
+              <a:rPr lang="en-US" dirty="0" smtClean="0"/>
+              <a:t>Measure the width of the edges</a:t>
+            </a:r>
+            <a:endParaRPr lang="en-US" dirty="0" smtClean="0"/>
+          </a:p>
+          <a:p>
+            <a:endParaRPr lang="en-US" dirty="0"/>
+          </a:p>
+        </p:txBody>
+      </p:sp>
+      <p:sp>
+        <p:nvSpPr>
+          <p:cNvPr id="9" name="TextBox 8"/>
+          <p:cNvSpPr txBox="1"/>
+          <p:nvPr/>
+        </p:nvSpPr>
+        <p:spPr>
+          <a:xfrm>
+            <a:off x="6674764" y="1886755"/>
+            <a:ext cx="4612944" cy="4524315"/>
+          </a:xfrm>
+          <a:prstGeom prst="rect">
+            <a:avLst/>
+          </a:prstGeom>
+          <a:noFill/>
+        </p:spPr>
+        <p:txBody>
+          <a:bodyPr wrap="square" rtlCol="0">
+            <a:spAutoFit/>
+          </a:bodyPr>
+          <a:lstStyle/>
+          <a:p>
+            <a:r>
+              <a:rPr lang="en-US" sz="1600" dirty="0">
+                <a:latin typeface="Consolas" panose="020B0609020204030204" pitchFamily="49" charset="0"/>
+              </a:rPr>
+              <a:t>score =</a:t>
+            </a:r>
+          </a:p>
+          <a:p>
+            <a:r>
+              <a:rPr lang="en-US" sz="1600" dirty="0" smtClean="0">
+                <a:latin typeface="Consolas" panose="020B0609020204030204" pitchFamily="49" charset="0"/>
+              </a:rPr>
+              <a:t>    </a:t>
+            </a:r>
+            <a:r>
+              <a:rPr lang="en-US" sz="1600" dirty="0">
+                <a:latin typeface="Consolas" panose="020B0609020204030204" pitchFamily="49" charset="0"/>
+              </a:rPr>
+              <a:t>2.1709</a:t>
+            </a:r>
+          </a:p>
+          <a:p>
+            <a:r>
+              <a:rPr lang="en-US" sz="1600" dirty="0" smtClean="0">
+                <a:latin typeface="Consolas" panose="020B0609020204030204" pitchFamily="49" charset="0"/>
+              </a:rPr>
+              <a:t>res </a:t>
+            </a:r>
+            <a:r>
+              <a:rPr lang="en-US" sz="1600" dirty="0">
+                <a:latin typeface="Consolas" panose="020B0609020204030204" pitchFamily="49" charset="0"/>
+              </a:rPr>
+              <a:t>= </a:t>
+            </a:r>
+          </a:p>
+          <a:p>
+            <a:r>
+              <a:rPr lang="en-US" sz="1600" dirty="0" smtClean="0">
+                <a:latin typeface="Consolas" panose="020B0609020204030204" pitchFamily="49" charset="0"/>
+              </a:rPr>
+              <a:t>  </a:t>
+            </a:r>
+            <a:r>
+              <a:rPr lang="en-US" sz="1600" dirty="0" err="1">
+                <a:latin typeface="Consolas" panose="020B0609020204030204" pitchFamily="49" charset="0"/>
+              </a:rPr>
+              <a:t>struct</a:t>
+            </a:r>
+            <a:r>
+              <a:rPr lang="en-US" sz="1600" dirty="0">
+                <a:latin typeface="Consolas" panose="020B0609020204030204" pitchFamily="49" charset="0"/>
+              </a:rPr>
+              <a:t> with fields:</a:t>
+            </a:r>
+          </a:p>
+          <a:p>
+            <a:r>
+              <a:rPr lang="en-US" sz="1600" dirty="0" smtClean="0">
+                <a:latin typeface="Consolas" panose="020B0609020204030204" pitchFamily="49" charset="0"/>
+              </a:rPr>
+              <a:t>     </a:t>
+            </a:r>
+            <a:r>
+              <a:rPr lang="en-US" sz="1600" dirty="0" err="1">
+                <a:latin typeface="Consolas" panose="020B0609020204030204" pitchFamily="49" charset="0"/>
+              </a:rPr>
+              <a:t>gridSize</a:t>
+            </a:r>
+            <a:r>
+              <a:rPr lang="en-US" sz="1600" dirty="0">
+                <a:latin typeface="Consolas" panose="020B0609020204030204" pitchFamily="49" charset="0"/>
+              </a:rPr>
+              <a:t>: [9 13]</a:t>
+            </a:r>
+          </a:p>
+          <a:p>
+            <a:r>
+              <a:rPr lang="en-US" sz="1600" dirty="0">
+                <a:latin typeface="Consolas" panose="020B0609020204030204" pitchFamily="49" charset="0"/>
+              </a:rPr>
+              <a:t>       points: [117×2 double]</a:t>
+            </a:r>
+          </a:p>
+          <a:p>
+            <a:r>
+              <a:rPr lang="en-US" sz="1600" dirty="0">
+                <a:latin typeface="Consolas" panose="020B0609020204030204" pitchFamily="49" charset="0"/>
+              </a:rPr>
+              <a:t>     </a:t>
+            </a:r>
+            <a:r>
+              <a:rPr lang="en-US" sz="1600" dirty="0" err="1">
+                <a:latin typeface="Consolas" panose="020B0609020204030204" pitchFamily="49" charset="0"/>
+              </a:rPr>
+              <a:t>horizMin</a:t>
+            </a:r>
+            <a:r>
+              <a:rPr lang="en-US" sz="1600" dirty="0">
+                <a:latin typeface="Consolas" panose="020B0609020204030204" pitchFamily="49" charset="0"/>
+              </a:rPr>
+              <a:t>: 1.8635</a:t>
+            </a:r>
+          </a:p>
+          <a:p>
+            <a:r>
+              <a:rPr lang="en-US" sz="1600" dirty="0">
+                <a:latin typeface="Consolas" panose="020B0609020204030204" pitchFamily="49" charset="0"/>
+              </a:rPr>
+              <a:t>     </a:t>
+            </a:r>
+            <a:r>
+              <a:rPr lang="en-US" sz="1600" dirty="0" err="1">
+                <a:latin typeface="Consolas" panose="020B0609020204030204" pitchFamily="49" charset="0"/>
+              </a:rPr>
+              <a:t>horizMax</a:t>
+            </a:r>
+            <a:r>
+              <a:rPr lang="en-US" sz="1600" dirty="0">
+                <a:latin typeface="Consolas" panose="020B0609020204030204" pitchFamily="49" charset="0"/>
+              </a:rPr>
+              <a:t>: 2.5828</a:t>
+            </a:r>
+          </a:p>
+          <a:p>
+            <a:r>
+              <a:rPr lang="en-US" sz="1600" dirty="0">
+                <a:latin typeface="Consolas" panose="020B0609020204030204" pitchFamily="49" charset="0"/>
+              </a:rPr>
+              <a:t>    </a:t>
+            </a:r>
+            <a:r>
+              <a:rPr lang="en-US" sz="1600" dirty="0" err="1">
+                <a:latin typeface="Consolas" panose="020B0609020204030204" pitchFamily="49" charset="0"/>
+              </a:rPr>
+              <a:t>horizMean</a:t>
+            </a:r>
+            <a:r>
+              <a:rPr lang="en-US" sz="1600" dirty="0">
+                <a:latin typeface="Consolas" panose="020B0609020204030204" pitchFamily="49" charset="0"/>
+              </a:rPr>
+              <a:t>: 2.1709</a:t>
+            </a:r>
+          </a:p>
+          <a:p>
+            <a:r>
+              <a:rPr lang="en-US" sz="1600" dirty="0">
+                <a:latin typeface="Consolas" panose="020B0609020204030204" pitchFamily="49" charset="0"/>
+              </a:rPr>
+              <a:t>     </a:t>
+            </a:r>
+            <a:r>
+              <a:rPr lang="en-US" sz="1600" dirty="0" err="1">
+                <a:latin typeface="Consolas" panose="020B0609020204030204" pitchFamily="49" charset="0"/>
+              </a:rPr>
+              <a:t>horizStd</a:t>
+            </a:r>
+            <a:r>
+              <a:rPr lang="en-US" sz="1600" dirty="0">
+                <a:latin typeface="Consolas" panose="020B0609020204030204" pitchFamily="49" charset="0"/>
+              </a:rPr>
+              <a:t>: 0.1772</a:t>
+            </a:r>
+          </a:p>
+          <a:p>
+            <a:r>
+              <a:rPr lang="en-US" sz="1600" dirty="0">
+                <a:latin typeface="Consolas" panose="020B0609020204030204" pitchFamily="49" charset="0"/>
+              </a:rPr>
+              <a:t>      </a:t>
+            </a:r>
+            <a:r>
+              <a:rPr lang="en-US" sz="1600" dirty="0" err="1">
+                <a:latin typeface="Consolas" panose="020B0609020204030204" pitchFamily="49" charset="0"/>
+              </a:rPr>
+              <a:t>vertMin</a:t>
+            </a:r>
+            <a:r>
+              <a:rPr lang="en-US" sz="1600" dirty="0">
+                <a:latin typeface="Consolas" panose="020B0609020204030204" pitchFamily="49" charset="0"/>
+              </a:rPr>
+              <a:t>: 1.8842</a:t>
+            </a:r>
+          </a:p>
+          <a:p>
+            <a:r>
+              <a:rPr lang="en-US" sz="1600" dirty="0">
+                <a:latin typeface="Consolas" panose="020B0609020204030204" pitchFamily="49" charset="0"/>
+              </a:rPr>
+              <a:t>      </a:t>
+            </a:r>
+            <a:r>
+              <a:rPr lang="en-US" sz="1600" dirty="0" err="1">
+                <a:latin typeface="Consolas" panose="020B0609020204030204" pitchFamily="49" charset="0"/>
+              </a:rPr>
+              <a:t>vertMax</a:t>
+            </a:r>
+            <a:r>
+              <a:rPr lang="en-US" sz="1600" dirty="0">
+                <a:latin typeface="Consolas" panose="020B0609020204030204" pitchFamily="49" charset="0"/>
+              </a:rPr>
+              <a:t>: 3.7097</a:t>
+            </a:r>
+          </a:p>
+          <a:p>
+            <a:r>
+              <a:rPr lang="en-US" sz="1600" dirty="0">
+                <a:latin typeface="Consolas" panose="020B0609020204030204" pitchFamily="49" charset="0"/>
+              </a:rPr>
+              <a:t>     </a:t>
+            </a:r>
+            <a:r>
+              <a:rPr lang="en-US" sz="1600" dirty="0" err="1">
+                <a:latin typeface="Consolas" panose="020B0609020204030204" pitchFamily="49" charset="0"/>
+              </a:rPr>
+              <a:t>vertMean</a:t>
+            </a:r>
+            <a:r>
+              <a:rPr lang="en-US" sz="1600" dirty="0">
+                <a:latin typeface="Consolas" panose="020B0609020204030204" pitchFamily="49" charset="0"/>
+              </a:rPr>
+              <a:t>: 2.4070</a:t>
+            </a:r>
+          </a:p>
+          <a:p>
+            <a:r>
+              <a:rPr lang="en-US" sz="1600" dirty="0">
+                <a:latin typeface="Consolas" panose="020B0609020204030204" pitchFamily="49" charset="0"/>
+              </a:rPr>
+              <a:t>      </a:t>
+            </a:r>
+            <a:r>
+              <a:rPr lang="en-US" sz="1600" dirty="0" err="1">
+                <a:latin typeface="Consolas" panose="020B0609020204030204" pitchFamily="49" charset="0"/>
+              </a:rPr>
+              <a:t>vertStd</a:t>
+            </a:r>
+            <a:r>
+              <a:rPr lang="en-US" sz="1600" dirty="0">
+                <a:latin typeface="Consolas" panose="020B0609020204030204" pitchFamily="49" charset="0"/>
+              </a:rPr>
+              <a:t>: 0.3450</a:t>
+            </a:r>
+          </a:p>
+          <a:p>
+            <a:r>
+              <a:rPr lang="en-US" sz="1600" dirty="0">
+                <a:latin typeface="Consolas" panose="020B0609020204030204" pitchFamily="49" charset="0"/>
+              </a:rPr>
+              <a:t>    </a:t>
+            </a:r>
+            <a:r>
+              <a:rPr lang="en-US" sz="1600" dirty="0" err="1">
+                <a:latin typeface="Consolas" panose="020B0609020204030204" pitchFamily="49" charset="0"/>
+              </a:rPr>
+              <a:t>meanFrame</a:t>
+            </a:r>
+            <a:r>
+              <a:rPr lang="en-US" sz="1600" dirty="0">
+                <a:latin typeface="Consolas" panose="020B0609020204030204" pitchFamily="49" charset="0"/>
+              </a:rPr>
+              <a:t>: [1×1 </a:t>
+            </a:r>
+            <a:r>
+              <a:rPr lang="en-US" sz="1600" dirty="0" err="1">
+                <a:latin typeface="Consolas" panose="020B0609020204030204" pitchFamily="49" charset="0"/>
+              </a:rPr>
+              <a:t>struct</a:t>
+            </a:r>
+            <a:r>
+              <a:rPr lang="en-US" sz="1600" dirty="0">
+                <a:latin typeface="Consolas" panose="020B0609020204030204" pitchFamily="49" charset="0"/>
+              </a:rPr>
+              <a:t>]</a:t>
+            </a:r>
+          </a:p>
+          <a:p>
+            <a:r>
+              <a:rPr lang="en-US" sz="1600" dirty="0">
+                <a:latin typeface="Consolas" panose="020B0609020204030204" pitchFamily="49" charset="0"/>
+              </a:rPr>
+              <a:t>        score: '</a:t>
+            </a:r>
+            <a:r>
+              <a:rPr lang="en-US" sz="1600" dirty="0" err="1">
+                <a:latin typeface="Consolas" panose="020B0609020204030204" pitchFamily="49" charset="0"/>
+              </a:rPr>
+              <a:t>horizMean</a:t>
+            </a:r>
+            <a:r>
+              <a:rPr lang="en-US" sz="1600" dirty="0">
+                <a:latin typeface="Consolas" panose="020B0609020204030204" pitchFamily="49" charset="0"/>
+              </a:rPr>
+              <a:t>'</a:t>
+            </a:r>
+          </a:p>
+          <a:p>
+            <a:r>
+              <a:rPr lang="en-US" sz="1600" dirty="0">
+                <a:latin typeface="Consolas" panose="020B0609020204030204" pitchFamily="49" charset="0"/>
+              </a:rPr>
+              <a:t>        units: 'pixels'</a:t>
+            </a:r>
+          </a:p>
+          <a:p>
+            <a:r>
+              <a:rPr lang="en-US" sz="1600" dirty="0">
+                <a:latin typeface="Consolas" panose="020B0609020204030204" pitchFamily="49" charset="0"/>
+              </a:rPr>
+              <a:t>        error: 0</a:t>
+            </a:r>
+          </a:p>
+        </p:txBody>
+      </p:sp>
+      <p:grpSp>
+        <p:nvGrpSpPr>
+          <p:cNvPr id="12" name="Group 11"/>
+          <p:cNvGrpSpPr/>
+          <p:nvPr/>
+        </p:nvGrpSpPr>
+        <p:grpSpPr>
+          <a:xfrm>
+            <a:off x="250986" y="2367887"/>
+            <a:ext cx="6142990" cy="4377557"/>
+            <a:chOff x="414763" y="2517955"/>
+            <a:chExt cx="5276354" cy="3893115"/>
+          </a:xfrm>
+        </p:grpSpPr>
+        <p:pic>
+          <p:nvPicPr>
+            <p:cNvPr id="5" name="Picture 4"/>
+            <p:cNvPicPr>
+              <a:picLocks noChangeAspect="1"/>
+            </p:cNvPicPr>
+            <p:nvPr/>
+          </p:nvPicPr>
+          <p:blipFill>
+            <a:blip r:embed="rId2"/>
+            <a:stretch>
+              <a:fillRect/>
+            </a:stretch>
+          </p:blipFill>
+          <p:spPr>
+            <a:xfrm>
+              <a:off x="414763" y="2517955"/>
+              <a:ext cx="5276354" cy="3893115"/>
+            </a:xfrm>
+            <a:prstGeom prst="rect">
+              <a:avLst/>
+            </a:prstGeom>
+          </p:spPr>
+        </p:pic>
+        <p:sp>
+          <p:nvSpPr>
+            <p:cNvPr id="8" name="Rectangle 7"/>
+            <p:cNvSpPr/>
+            <p:nvPr/>
+          </p:nvSpPr>
+          <p:spPr>
+            <a:xfrm>
+              <a:off x="3214048" y="4333164"/>
+              <a:ext cx="1078173" cy="313899"/>
+            </a:xfrm>
+            <a:prstGeom prst="rect">
+              <a:avLst/>
+            </a:prstGeom>
+            <a:noFill/>
+            <a:ln w="28575">
+              <a:solidFill>
+                <a:srgbClr val="FF0000"/>
+              </a:solidFill>
+            </a:ln>
+          </p:spPr>
+          <p:style>
+            <a:lnRef idx="2">
+              <a:schemeClr val="accent1">
+                <a:shade val="50000"/>
+              </a:schemeClr>
+            </a:lnRef>
+            <a:fillRef idx="1">
+              <a:schemeClr val="accent1"/>
+            </a:fillRef>
+            <a:effectRef idx="0">
+              <a:schemeClr val="accent1"/>
+            </a:effectRef>
+            <a:fontRef idx="minor">
+              <a:schemeClr val="lt1"/>
+            </a:fontRef>
+          </p:style>
+          <p:txBody>
+            <a:bodyPr rtlCol="0" anchor="ctr"/>
+            <a:lstStyle/>
+            <a:p>
+              <a:pPr algn="ctr"/>
+              <a:endParaRPr lang="en-US"/>
+            </a:p>
+          </p:txBody>
+        </p:sp>
+        <p:sp>
+          <p:nvSpPr>
+            <p:cNvPr id="11" name="Rectangle 10"/>
+            <p:cNvSpPr/>
+            <p:nvPr/>
+          </p:nvSpPr>
+          <p:spPr>
+            <a:xfrm>
+              <a:off x="1558121" y="4490113"/>
+              <a:ext cx="257032" cy="1084997"/>
+            </a:xfrm>
+            <a:prstGeom prst="rect">
+              <a:avLst/>
+            </a:prstGeom>
+            <a:noFill/>
+            <a:ln w="28575">
+              <a:solidFill>
+                <a:srgbClr val="FF0000"/>
+              </a:solidFill>
+            </a:ln>
+          </p:spPr>
+          <p:style>
+            <a:lnRef idx="2">
+              <a:schemeClr val="accent1">
+                <a:shade val="50000"/>
+              </a:schemeClr>
+            </a:lnRef>
+            <a:fillRef idx="1">
+              <a:schemeClr val="accent1"/>
+            </a:fillRef>
+            <a:effectRef idx="0">
+              <a:schemeClr val="accent1"/>
+            </a:effectRef>
+            <a:fontRef idx="minor">
+              <a:schemeClr val="lt1"/>
+            </a:fontRef>
+          </p:style>
+          <p:txBody>
+            <a:bodyPr rtlCol="0" anchor="ctr"/>
+            <a:lstStyle/>
+            <a:p>
+              <a:pPr algn="ctr"/>
+              <a:endParaRPr lang="en-US"/>
+            </a:p>
+          </p:txBody>
+        </p:sp>
+      </p:grpSp>
+    </p:spTree>
+    <p:extLst>
+      <p:ext uri="{BB962C8B-B14F-4D97-AF65-F5344CB8AC3E}">
+        <p14:creationId xmlns:p14="http://schemas.microsoft.com/office/powerpoint/2010/main" val="3950070479"/>
       </p:ext>
     </p:extLst>
   </p:cSld>

--- a/+Validation/Metrics.pptx
+++ b/+Validation/Metrics.pptx
@@ -13,6 +13,8 @@
     <p:sldId id="263" r:id="rId7"/>
     <p:sldId id="264" r:id="rId8"/>
     <p:sldId id="265" r:id="rId9"/>
+    <p:sldId id="266" r:id="rId10"/>
+    <p:sldId id="267" r:id="rId11"/>
   </p:sldIdLst>
   <p:sldSz cx="12192000" cy="6858000"/>
   <p:notesSz cx="6858000" cy="9144000"/>
@@ -250,7 +252,7 @@
           <a:p>
             <a:fld id="{A12CDB78-3F11-4D29-ADF7-4DC63FE2217A}" type="datetimeFigureOut">
               <a:rPr lang="en-US" smtClean="0"/>
-              <a:t>25/07/2018</a:t>
+              <a:t>10/10/2018</a:t>
             </a:fld>
             <a:endParaRPr lang="en-US"/>
           </a:p>
@@ -420,7 +422,7 @@
           <a:p>
             <a:fld id="{A12CDB78-3F11-4D29-ADF7-4DC63FE2217A}" type="datetimeFigureOut">
               <a:rPr lang="en-US" smtClean="0"/>
-              <a:t>25/07/2018</a:t>
+              <a:t>10/10/2018</a:t>
             </a:fld>
             <a:endParaRPr lang="en-US"/>
           </a:p>
@@ -600,7 +602,7 @@
           <a:p>
             <a:fld id="{A12CDB78-3F11-4D29-ADF7-4DC63FE2217A}" type="datetimeFigureOut">
               <a:rPr lang="en-US" smtClean="0"/>
-              <a:t>25/07/2018</a:t>
+              <a:t>10/10/2018</a:t>
             </a:fld>
             <a:endParaRPr lang="en-US"/>
           </a:p>
@@ -770,7 +772,7 @@
           <a:p>
             <a:fld id="{A12CDB78-3F11-4D29-ADF7-4DC63FE2217A}" type="datetimeFigureOut">
               <a:rPr lang="en-US" smtClean="0"/>
-              <a:t>25/07/2018</a:t>
+              <a:t>10/10/2018</a:t>
             </a:fld>
             <a:endParaRPr lang="en-US"/>
           </a:p>
@@ -1016,7 +1018,7 @@
           <a:p>
             <a:fld id="{A12CDB78-3F11-4D29-ADF7-4DC63FE2217A}" type="datetimeFigureOut">
               <a:rPr lang="en-US" smtClean="0"/>
-              <a:t>25/07/2018</a:t>
+              <a:t>10/10/2018</a:t>
             </a:fld>
             <a:endParaRPr lang="en-US"/>
           </a:p>
@@ -1248,7 +1250,7 @@
           <a:p>
             <a:fld id="{A12CDB78-3F11-4D29-ADF7-4DC63FE2217A}" type="datetimeFigureOut">
               <a:rPr lang="en-US" smtClean="0"/>
-              <a:t>25/07/2018</a:t>
+              <a:t>10/10/2018</a:t>
             </a:fld>
             <a:endParaRPr lang="en-US"/>
           </a:p>
@@ -1615,7 +1617,7 @@
           <a:p>
             <a:fld id="{A12CDB78-3F11-4D29-ADF7-4DC63FE2217A}" type="datetimeFigureOut">
               <a:rPr lang="en-US" smtClean="0"/>
-              <a:t>25/07/2018</a:t>
+              <a:t>10/10/2018</a:t>
             </a:fld>
             <a:endParaRPr lang="en-US"/>
           </a:p>
@@ -1733,7 +1735,7 @@
           <a:p>
             <a:fld id="{A12CDB78-3F11-4D29-ADF7-4DC63FE2217A}" type="datetimeFigureOut">
               <a:rPr lang="en-US" smtClean="0"/>
-              <a:t>25/07/2018</a:t>
+              <a:t>10/10/2018</a:t>
             </a:fld>
             <a:endParaRPr lang="en-US"/>
           </a:p>
@@ -1828,7 +1830,7 @@
           <a:p>
             <a:fld id="{A12CDB78-3F11-4D29-ADF7-4DC63FE2217A}" type="datetimeFigureOut">
               <a:rPr lang="en-US" smtClean="0"/>
-              <a:t>25/07/2018</a:t>
+              <a:t>10/10/2018</a:t>
             </a:fld>
             <a:endParaRPr lang="en-US"/>
           </a:p>
@@ -2105,7 +2107,7 @@
           <a:p>
             <a:fld id="{A12CDB78-3F11-4D29-ADF7-4DC63FE2217A}" type="datetimeFigureOut">
               <a:rPr lang="en-US" smtClean="0"/>
-              <a:t>25/07/2018</a:t>
+              <a:t>10/10/2018</a:t>
             </a:fld>
             <a:endParaRPr lang="en-US"/>
           </a:p>
@@ -2358,7 +2360,7 @@
           <a:p>
             <a:fld id="{A12CDB78-3F11-4D29-ADF7-4DC63FE2217A}" type="datetimeFigureOut">
               <a:rPr lang="en-US" smtClean="0"/>
-              <a:t>25/07/2018</a:t>
+              <a:t>10/10/2018</a:t>
             </a:fld>
             <a:endParaRPr lang="en-US"/>
           </a:p>
@@ -2571,7 +2573,7 @@
           <a:p>
             <a:fld id="{A12CDB78-3F11-4D29-ADF7-4DC63FE2217A}" type="datetimeFigureOut">
               <a:rPr lang="en-US" smtClean="0"/>
-              <a:t>25/07/2018</a:t>
+              <a:t>10/10/2018</a:t>
             </a:fld>
             <a:endParaRPr lang="en-US"/>
           </a:p>
@@ -3042,6 +3044,369 @@
 </p:sld>
 </file>
 
+<file path=ppt/slides/slide10.xml><?xml version="1.0" encoding="utf-8"?>
+<p:sld xmlns:a="http://schemas.openxmlformats.org/drawingml/2006/main" xmlns:r="http://schemas.openxmlformats.org/officeDocument/2006/relationships" xmlns:p="http://schemas.openxmlformats.org/presentationml/2006/main">
+  <p:cSld>
+    <p:spTree>
+      <p:nvGrpSpPr>
+        <p:cNvPr id="1" name=""/>
+        <p:cNvGrpSpPr/>
+        <p:nvPr/>
+      </p:nvGrpSpPr>
+      <p:grpSpPr>
+        <a:xfrm>
+          <a:off x="0" y="0"/>
+          <a:ext cx="0" cy="0"/>
+          <a:chOff x="0" y="0"/>
+          <a:chExt cx="0" cy="0"/>
+        </a:xfrm>
+      </p:grpSpPr>
+      <p:sp>
+        <p:nvSpPr>
+          <p:cNvPr id="2" name="Title 1"/>
+          <p:cNvSpPr>
+            <a:spLocks noGrp="1"/>
+          </p:cNvSpPr>
+          <p:nvPr>
+            <p:ph type="title"/>
+          </p:nvPr>
+        </p:nvSpPr>
+        <p:spPr>
+          <a:xfrm>
+            <a:off x="838200" y="365125"/>
+            <a:ext cx="10515600" cy="760815"/>
+          </a:xfrm>
+        </p:spPr>
+        <p:txBody>
+          <a:bodyPr/>
+          <a:lstStyle/>
+          <a:p>
+            <a:r>
+              <a:rPr lang="en-US" dirty="0"/>
+              <a:t>Metrics</a:t>
+            </a:r>
+            <a:r>
+              <a:rPr lang="en-US" dirty="0" smtClean="0"/>
+              <a:t>: MOS (2)</a:t>
+            </a:r>
+            <a:endParaRPr lang="en-US" dirty="0"/>
+          </a:p>
+        </p:txBody>
+      </p:sp>
+      <p:sp>
+        <p:nvSpPr>
+          <p:cNvPr id="3" name="Content Placeholder 2"/>
+          <p:cNvSpPr>
+            <a:spLocks noGrp="1"/>
+          </p:cNvSpPr>
+          <p:nvPr>
+            <p:ph idx="1"/>
+          </p:nvPr>
+        </p:nvSpPr>
+        <p:spPr>
+          <a:xfrm>
+            <a:off x="838200" y="1125940"/>
+            <a:ext cx="10515600" cy="5051023"/>
+          </a:xfrm>
+        </p:spPr>
+        <p:txBody>
+          <a:bodyPr/>
+          <a:lstStyle/>
+          <a:p>
+            <a:r>
+              <a:rPr lang="en-US" dirty="0" smtClean="0"/>
+              <a:t>MOS: Minimal Object Si</a:t>
+            </a:r>
+            <a:endParaRPr lang="en-US" dirty="0" smtClean="0"/>
+          </a:p>
+          <a:p>
+            <a:endParaRPr lang="en-US" dirty="0"/>
+          </a:p>
+        </p:txBody>
+      </p:sp>
+      <p:sp>
+        <p:nvSpPr>
+          <p:cNvPr id="9" name="TextBox 8"/>
+          <p:cNvSpPr txBox="1"/>
+          <p:nvPr/>
+        </p:nvSpPr>
+        <p:spPr>
+          <a:xfrm>
+            <a:off x="5821137" y="1125940"/>
+            <a:ext cx="6033406" cy="5693866"/>
+          </a:xfrm>
+          <a:prstGeom prst="rect">
+            <a:avLst/>
+          </a:prstGeom>
+          <a:noFill/>
+        </p:spPr>
+        <p:txBody>
+          <a:bodyPr wrap="square" rtlCol="0">
+            <a:spAutoFit/>
+          </a:bodyPr>
+          <a:lstStyle/>
+          <a:p>
+            <a:pPr marL="742950" lvl="1" indent="-285750">
+              <a:buFont typeface="Arial" panose="020B0604020202020204" pitchFamily="34" charset="0"/>
+              <a:buChar char="•"/>
+            </a:pPr>
+            <a:r>
+              <a:rPr lang="en-US" sz="2400" dirty="0"/>
+              <a:t>Find the </a:t>
+            </a:r>
+            <a:r>
+              <a:rPr lang="en-US" sz="2400" dirty="0" smtClean="0"/>
+              <a:t>checkboard</a:t>
+            </a:r>
+          </a:p>
+          <a:p>
+            <a:pPr marL="742950" lvl="1" indent="-285750">
+              <a:buFont typeface="Arial" panose="020B0604020202020204" pitchFamily="34" charset="0"/>
+              <a:buChar char="•"/>
+            </a:pPr>
+            <a:r>
+              <a:rPr lang="en-US" sz="2400" dirty="0" smtClean="0"/>
+              <a:t>Find the width and height of every bar</a:t>
+            </a:r>
+          </a:p>
+          <a:p>
+            <a:pPr marL="742950" lvl="1" indent="-285750">
+              <a:buFont typeface="Arial" panose="020B0604020202020204" pitchFamily="34" charset="0"/>
+              <a:buChar char="•"/>
+            </a:pPr>
+            <a:r>
+              <a:rPr lang="en-US" sz="2400" dirty="0" smtClean="0"/>
+              <a:t>Find the minimal (w.r.t to width/height) distinguishable bar relative to the local noise</a:t>
+            </a:r>
+          </a:p>
+          <a:p>
+            <a:pPr marL="742950" lvl="1" indent="-285750">
+              <a:buFont typeface="Arial" panose="020B0604020202020204" pitchFamily="34" charset="0"/>
+              <a:buChar char="•"/>
+            </a:pPr>
+            <a:r>
+              <a:rPr lang="en-US" sz="2400" dirty="0" smtClean="0"/>
+              <a:t>Currently minimal means </a:t>
+            </a:r>
+            <a:r>
+              <a:rPr lang="en-US" sz="2400" dirty="0" err="1" smtClean="0"/>
+              <a:t>ares</a:t>
+            </a:r>
+            <a:r>
+              <a:rPr lang="en-US" sz="2400" dirty="0" smtClean="0"/>
+              <a:t> of the bar cut: width*height</a:t>
+            </a:r>
+          </a:p>
+          <a:p>
+            <a:pPr marL="742950" lvl="1" indent="-285750">
+              <a:buFont typeface="Arial" panose="020B0604020202020204" pitchFamily="34" charset="0"/>
+              <a:buChar char="•"/>
+            </a:pPr>
+            <a:endParaRPr lang="en-US" sz="2400" dirty="0"/>
+          </a:p>
+          <a:p>
+            <a:r>
+              <a:rPr lang="en-US" sz="2000" dirty="0" smtClean="0"/>
+              <a:t>   	</a:t>
+            </a:r>
+            <a:r>
+              <a:rPr lang="en-US" sz="1600" dirty="0">
+                <a:latin typeface="Consolas" panose="020B0609020204030204" pitchFamily="49" charset="0"/>
+              </a:rPr>
+              <a:t>score </a:t>
+            </a:r>
+            <a:r>
+              <a:rPr lang="en-US" sz="1600" dirty="0">
+                <a:latin typeface="Consolas" panose="020B0609020204030204" pitchFamily="49" charset="0"/>
+              </a:rPr>
+              <a:t>=</a:t>
+            </a:r>
+          </a:p>
+          <a:p>
+            <a:r>
+              <a:rPr lang="en-US" sz="1600" dirty="0">
+                <a:latin typeface="Consolas" panose="020B0609020204030204" pitchFamily="49" charset="0"/>
+              </a:rPr>
+              <a:t>	    </a:t>
+            </a:r>
+            <a:r>
+              <a:rPr lang="en-US" sz="1600" dirty="0">
+                <a:latin typeface="Consolas" panose="020B0609020204030204" pitchFamily="49" charset="0"/>
+              </a:rPr>
+              <a:t>2.1709</a:t>
+            </a:r>
+          </a:p>
+          <a:p>
+            <a:r>
+              <a:rPr lang="en-US" sz="1600" dirty="0">
+                <a:latin typeface="Consolas" panose="020B0609020204030204" pitchFamily="49" charset="0"/>
+              </a:rPr>
+              <a:t>	res </a:t>
+            </a:r>
+            <a:r>
+              <a:rPr lang="en-US" sz="1600" dirty="0">
+                <a:latin typeface="Consolas" panose="020B0609020204030204" pitchFamily="49" charset="0"/>
+              </a:rPr>
+              <a:t>= </a:t>
+            </a:r>
+          </a:p>
+          <a:p>
+            <a:pPr lvl="1"/>
+            <a:r>
+              <a:rPr lang="en-US" sz="1600" dirty="0" smtClean="0">
+                <a:latin typeface="Consolas" panose="020B0609020204030204" pitchFamily="49" charset="0"/>
+              </a:rPr>
+              <a:t> 	 </a:t>
+            </a:r>
+            <a:r>
+              <a:rPr lang="en-US" sz="1600" dirty="0" err="1" smtClean="0">
+                <a:latin typeface="Consolas" panose="020B0609020204030204" pitchFamily="49" charset="0"/>
+              </a:rPr>
+              <a:t>gridSize</a:t>
+            </a:r>
+            <a:r>
+              <a:rPr lang="en-US" sz="1600" dirty="0">
+                <a:latin typeface="Consolas" panose="020B0609020204030204" pitchFamily="49" charset="0"/>
+              </a:rPr>
+              <a:t>: [7 7]</a:t>
+            </a:r>
+          </a:p>
+          <a:p>
+            <a:pPr lvl="1"/>
+            <a:r>
+              <a:rPr lang="en-US" sz="1600" dirty="0">
+                <a:latin typeface="Consolas" panose="020B0609020204030204" pitchFamily="49" charset="0"/>
+              </a:rPr>
+              <a:t>    </a:t>
+            </a:r>
+            <a:r>
+              <a:rPr lang="en-US" sz="1600" dirty="0" smtClean="0">
+                <a:latin typeface="Consolas" panose="020B0609020204030204" pitchFamily="49" charset="0"/>
+              </a:rPr>
+              <a:t>   points</a:t>
+            </a:r>
+            <a:r>
+              <a:rPr lang="en-US" sz="1600" dirty="0">
+                <a:latin typeface="Consolas" panose="020B0609020204030204" pitchFamily="49" charset="0"/>
+              </a:rPr>
+              <a:t>: [49×2 double]</a:t>
+            </a:r>
+          </a:p>
+          <a:p>
+            <a:pPr lvl="1"/>
+            <a:r>
+              <a:rPr lang="en-US" sz="1600" dirty="0" smtClean="0">
+                <a:latin typeface="Consolas" panose="020B0609020204030204" pitchFamily="49" charset="0"/>
+              </a:rPr>
+              <a:t>    </a:t>
+            </a:r>
+            <a:r>
+              <a:rPr lang="en-US" sz="1600" dirty="0">
+                <a:latin typeface="Consolas" panose="020B0609020204030204" pitchFamily="49" charset="0"/>
+              </a:rPr>
+              <a:t>	</a:t>
+            </a:r>
+            <a:r>
+              <a:rPr lang="en-US" sz="1600" dirty="0" smtClean="0">
+                <a:latin typeface="Consolas" panose="020B0609020204030204" pitchFamily="49" charset="0"/>
+              </a:rPr>
+              <a:t>  </a:t>
+            </a:r>
+            <a:r>
+              <a:rPr lang="en-US" sz="1600" dirty="0" err="1" smtClean="0">
+                <a:latin typeface="Consolas" panose="020B0609020204030204" pitchFamily="49" charset="0"/>
+              </a:rPr>
+              <a:t>minArea</a:t>
+            </a:r>
+            <a:r>
+              <a:rPr lang="en-US" sz="1600" dirty="0">
+                <a:latin typeface="Consolas" panose="020B0609020204030204" pitchFamily="49" charset="0"/>
+              </a:rPr>
+              <a:t>: 20.9962</a:t>
+            </a:r>
+          </a:p>
+          <a:p>
+            <a:pPr lvl="1"/>
+            <a:r>
+              <a:rPr lang="en-US" sz="1600" dirty="0" err="1" smtClean="0">
+                <a:latin typeface="Consolas" panose="020B0609020204030204" pitchFamily="49" charset="0"/>
+              </a:rPr>
+              <a:t>meanBlobNoise</a:t>
+            </a:r>
+            <a:r>
+              <a:rPr lang="en-US" sz="1600" dirty="0">
+                <a:latin typeface="Consolas" panose="020B0609020204030204" pitchFamily="49" charset="0"/>
+              </a:rPr>
+              <a:t>: 4.0524</a:t>
+            </a:r>
+          </a:p>
+          <a:p>
+            <a:pPr lvl="1"/>
+            <a:r>
+              <a:rPr lang="en-US" sz="1600" dirty="0" smtClean="0">
+                <a:latin typeface="Consolas" panose="020B0609020204030204" pitchFamily="49" charset="0"/>
+              </a:rPr>
+              <a:t>        </a:t>
+            </a:r>
+            <a:r>
+              <a:rPr lang="en-US" sz="1600" dirty="0">
+                <a:latin typeface="Consolas" panose="020B0609020204030204" pitchFamily="49" charset="0"/>
+              </a:rPr>
+              <a:t>score: '</a:t>
+            </a:r>
+            <a:r>
+              <a:rPr lang="en-US" sz="1600" dirty="0" err="1">
+                <a:latin typeface="Consolas" panose="020B0609020204030204" pitchFamily="49" charset="0"/>
+              </a:rPr>
+              <a:t>minArea</a:t>
+            </a:r>
+            <a:r>
+              <a:rPr lang="en-US" sz="1600" dirty="0">
+                <a:latin typeface="Consolas" panose="020B0609020204030204" pitchFamily="49" charset="0"/>
+              </a:rPr>
+              <a:t>'</a:t>
+            </a:r>
+          </a:p>
+          <a:p>
+            <a:pPr lvl="1"/>
+            <a:r>
+              <a:rPr lang="en-US" sz="1600" dirty="0" smtClean="0">
+                <a:latin typeface="Consolas" panose="020B0609020204030204" pitchFamily="49" charset="0"/>
+              </a:rPr>
+              <a:t>        </a:t>
+            </a:r>
+            <a:r>
+              <a:rPr lang="en-US" sz="1600" dirty="0">
+                <a:latin typeface="Consolas" panose="020B0609020204030204" pitchFamily="49" charset="0"/>
+              </a:rPr>
+              <a:t>units: 'mm^2'</a:t>
+            </a:r>
+            <a:endParaRPr lang="en-US" sz="1600" dirty="0">
+              <a:latin typeface="Consolas" panose="020B0609020204030204" pitchFamily="49" charset="0"/>
+            </a:endParaRPr>
+          </a:p>
+          <a:p>
+            <a:pPr marL="742950" lvl="1" indent="-285750">
+              <a:buFont typeface="Arial" panose="020B0604020202020204" pitchFamily="34" charset="0"/>
+              <a:buChar char="•"/>
+            </a:pPr>
+            <a:endParaRPr lang="en-US" sz="2400" dirty="0"/>
+          </a:p>
+        </p:txBody>
+      </p:sp>
+    </p:spTree>
+    <p:extLst>
+      <p:ext uri="{BB962C8B-B14F-4D97-AF65-F5344CB8AC3E}">
+        <p14:creationId xmlns:p14="http://schemas.microsoft.com/office/powerpoint/2010/main" val="1682889735"/>
+      </p:ext>
+    </p:extLst>
+  </p:cSld>
+  <p:clrMapOvr>
+    <a:masterClrMapping/>
+  </p:clrMapOvr>
+</p:sld>
+</file>
+
 <file path=ppt/slides/slide2.xml><?xml version="1.0" encoding="utf-8"?>
 <p:sld xmlns:a="http://schemas.openxmlformats.org/drawingml/2006/main" xmlns:r="http://schemas.openxmlformats.org/officeDocument/2006/relationships" xmlns:p="http://schemas.openxmlformats.org/presentationml/2006/main">
   <p:cSld>
@@ -4093,11 +4458,7 @@
           <a:p>
             <a:r>
               <a:rPr lang="en-US" dirty="0" smtClean="0"/>
-              <a:t>Metrics: LOS </a:t>
-            </a:r>
-            <a:r>
-              <a:rPr lang="en-US" dirty="0" smtClean="0"/>
-              <a:t>Grid Drift</a:t>
+              <a:t>Metrics: LOS Grid Drift</a:t>
             </a:r>
             <a:endParaRPr lang="en-US" dirty="0"/>
           </a:p>
@@ -5070,13 +5431,8 @@
           <a:p>
             <a:r>
               <a:rPr lang="en-US" dirty="0" smtClean="0"/>
-              <a:t>Check how </a:t>
-            </a:r>
-            <a:r>
-              <a:rPr lang="en-US" dirty="0" smtClean="0"/>
-              <a:t>far the points of the wall from the fit plane</a:t>
-            </a:r>
-            <a:endParaRPr lang="en-US" dirty="0" smtClean="0"/>
+              <a:t>Check how far the points of the wall from the fit plane</a:t>
+            </a:r>
           </a:p>
           <a:p>
             <a:pPr lvl="1"/>
@@ -5084,7 +5440,6 @@
               <a:rPr lang="en-US" dirty="0" smtClean="0"/>
               <a:t>Fit plane for every frame</a:t>
             </a:r>
-            <a:endParaRPr lang="en-US" dirty="0" smtClean="0"/>
           </a:p>
           <a:p>
             <a:pPr lvl="1"/>
@@ -5092,7 +5447,6 @@
               <a:rPr lang="en-US" dirty="0" smtClean="0"/>
               <a:t>Measure distances (z only) from the plane</a:t>
             </a:r>
-            <a:endParaRPr lang="en-US" dirty="0" smtClean="0"/>
           </a:p>
           <a:p>
             <a:endParaRPr lang="en-US" dirty="0"/>
@@ -5365,11 +5719,7 @@
           <a:p>
             <a:r>
               <a:rPr lang="en-US" dirty="0" smtClean="0"/>
-              <a:t>Check </a:t>
-            </a:r>
-            <a:r>
-              <a:rPr lang="en-US" dirty="0" smtClean="0"/>
-              <a:t>how </a:t>
+              <a:t>Check how </a:t>
             </a:r>
             <a:r>
               <a:rPr lang="en-US" dirty="0"/>
@@ -5379,7 +5729,6 @@
               <a:rPr lang="en-US" dirty="0" smtClean="0"/>
               <a:t>distances between all possible corners in 3D from the real distances</a:t>
             </a:r>
-            <a:endParaRPr lang="en-US" dirty="0" smtClean="0"/>
           </a:p>
           <a:p>
             <a:pPr lvl="1"/>
@@ -5391,7 +5740,6 @@
               <a:rPr lang="en-US" dirty="0" smtClean="0"/>
               <a:t> corners into 3D</a:t>
             </a:r>
-            <a:endParaRPr lang="en-US" dirty="0" smtClean="0"/>
           </a:p>
           <a:p>
             <a:pPr lvl="1"/>
@@ -5399,7 +5747,6 @@
               <a:rPr lang="en-US" dirty="0" smtClean="0"/>
               <a:t>Compare the distances</a:t>
             </a:r>
-            <a:endParaRPr lang="en-US" dirty="0" smtClean="0"/>
           </a:p>
           <a:p>
             <a:endParaRPr lang="en-US" dirty="0"/>
@@ -5673,13 +6020,8 @@
           <a:p>
             <a:r>
               <a:rPr lang="en-US" dirty="0" smtClean="0"/>
-              <a:t>Check </a:t>
-            </a:r>
-            <a:r>
-              <a:rPr lang="en-US" dirty="0" smtClean="0"/>
-              <a:t>how sharp the edges of the grid</a:t>
-            </a:r>
-            <a:endParaRPr lang="en-US" dirty="0" smtClean="0"/>
+              <a:t>Check how sharp the edges of the grid</a:t>
+            </a:r>
           </a:p>
           <a:p>
             <a:pPr lvl="1"/>
@@ -5687,7 +6029,6 @@
               <a:rPr lang="en-US" dirty="0" smtClean="0"/>
               <a:t>Find the checkboard</a:t>
             </a:r>
-            <a:endParaRPr lang="en-US" dirty="0" smtClean="0"/>
           </a:p>
           <a:p>
             <a:pPr lvl="1"/>
@@ -5695,7 +6036,6 @@
               <a:rPr lang="en-US" dirty="0" smtClean="0"/>
               <a:t>Measure the width of the edges</a:t>
             </a:r>
-            <a:endParaRPr lang="en-US" dirty="0" smtClean="0"/>
           </a:p>
           <a:p>
             <a:endParaRPr lang="en-US" dirty="0"/>
@@ -6172,6 +6512,393 @@
     <p:extLst>
       <p:ext uri="{BB962C8B-B14F-4D97-AF65-F5344CB8AC3E}">
         <p14:creationId xmlns:p14="http://schemas.microsoft.com/office/powerpoint/2010/main" val="3950070479"/>
+      </p:ext>
+    </p:extLst>
+  </p:cSld>
+  <p:clrMapOvr>
+    <a:masterClrMapping/>
+  </p:clrMapOvr>
+</p:sld>
+</file>
+
+<file path=ppt/slides/slide9.xml><?xml version="1.0" encoding="utf-8"?>
+<p:sld xmlns:a="http://schemas.openxmlformats.org/drawingml/2006/main" xmlns:r="http://schemas.openxmlformats.org/officeDocument/2006/relationships" xmlns:p="http://schemas.openxmlformats.org/presentationml/2006/main">
+  <p:cSld>
+    <p:spTree>
+      <p:nvGrpSpPr>
+        <p:cNvPr id="1" name=""/>
+        <p:cNvGrpSpPr/>
+        <p:nvPr/>
+      </p:nvGrpSpPr>
+      <p:grpSpPr>
+        <a:xfrm>
+          <a:off x="0" y="0"/>
+          <a:ext cx="0" cy="0"/>
+          <a:chOff x="0" y="0"/>
+          <a:chExt cx="0" cy="0"/>
+        </a:xfrm>
+      </p:grpSpPr>
+      <p:sp>
+        <p:nvSpPr>
+          <p:cNvPr id="2" name="Title 1"/>
+          <p:cNvSpPr>
+            <a:spLocks noGrp="1"/>
+          </p:cNvSpPr>
+          <p:nvPr>
+            <p:ph type="title"/>
+          </p:nvPr>
+        </p:nvSpPr>
+        <p:spPr>
+          <a:xfrm>
+            <a:off x="838200" y="365125"/>
+            <a:ext cx="10515600" cy="760815"/>
+          </a:xfrm>
+        </p:spPr>
+        <p:txBody>
+          <a:bodyPr/>
+          <a:lstStyle/>
+          <a:p>
+            <a:r>
+              <a:rPr lang="en-US" dirty="0"/>
+              <a:t>Metrics</a:t>
+            </a:r>
+            <a:r>
+              <a:rPr lang="en-US" dirty="0" smtClean="0"/>
+              <a:t>: MOS (1)</a:t>
+            </a:r>
+            <a:endParaRPr lang="en-US" dirty="0"/>
+          </a:p>
+        </p:txBody>
+      </p:sp>
+      <p:sp>
+        <p:nvSpPr>
+          <p:cNvPr id="3" name="Content Placeholder 2"/>
+          <p:cNvSpPr>
+            <a:spLocks noGrp="1"/>
+          </p:cNvSpPr>
+          <p:nvPr>
+            <p:ph idx="1"/>
+          </p:nvPr>
+        </p:nvSpPr>
+        <p:spPr>
+          <a:xfrm>
+            <a:off x="838200" y="1125940"/>
+            <a:ext cx="10515600" cy="5051023"/>
+          </a:xfrm>
+        </p:spPr>
+        <p:txBody>
+          <a:bodyPr/>
+          <a:lstStyle/>
+          <a:p>
+            <a:r>
+              <a:rPr lang="en-US" dirty="0" smtClean="0"/>
+              <a:t>MOS: Minimal Object Si</a:t>
+            </a:r>
+            <a:endParaRPr lang="en-US" dirty="0" smtClean="0"/>
+          </a:p>
+          <a:p>
+            <a:endParaRPr lang="en-US" dirty="0"/>
+          </a:p>
+        </p:txBody>
+      </p:sp>
+      <p:sp>
+        <p:nvSpPr>
+          <p:cNvPr id="9" name="TextBox 8"/>
+          <p:cNvSpPr txBox="1"/>
+          <p:nvPr/>
+        </p:nvSpPr>
+        <p:spPr>
+          <a:xfrm>
+            <a:off x="5821137" y="1125940"/>
+            <a:ext cx="6033406" cy="5693866"/>
+          </a:xfrm>
+          <a:prstGeom prst="rect">
+            <a:avLst/>
+          </a:prstGeom>
+          <a:noFill/>
+        </p:spPr>
+        <p:txBody>
+          <a:bodyPr wrap="square" rtlCol="0">
+            <a:spAutoFit/>
+          </a:bodyPr>
+          <a:lstStyle/>
+          <a:p>
+            <a:pPr marL="742950" lvl="1" indent="-285750">
+              <a:buFont typeface="Arial" panose="020B0604020202020204" pitchFamily="34" charset="0"/>
+              <a:buChar char="•"/>
+            </a:pPr>
+            <a:r>
+              <a:rPr lang="en-US" sz="2400" dirty="0"/>
+              <a:t>Find the </a:t>
+            </a:r>
+            <a:r>
+              <a:rPr lang="en-US" sz="2400" dirty="0" smtClean="0"/>
+              <a:t>checkboard</a:t>
+            </a:r>
+          </a:p>
+          <a:p>
+            <a:pPr marL="742950" lvl="1" indent="-285750">
+              <a:buFont typeface="Arial" panose="020B0604020202020204" pitchFamily="34" charset="0"/>
+              <a:buChar char="•"/>
+            </a:pPr>
+            <a:r>
+              <a:rPr lang="en-US" sz="2400" dirty="0" smtClean="0"/>
+              <a:t>Find the width and height of every bar</a:t>
+            </a:r>
+          </a:p>
+          <a:p>
+            <a:pPr marL="742950" lvl="1" indent="-285750">
+              <a:buFont typeface="Arial" panose="020B0604020202020204" pitchFamily="34" charset="0"/>
+              <a:buChar char="•"/>
+            </a:pPr>
+            <a:r>
+              <a:rPr lang="en-US" sz="2400" dirty="0" smtClean="0"/>
+              <a:t>Find the minimal (w.r.t to width/height) distinguishable bar relative to the local noise</a:t>
+            </a:r>
+          </a:p>
+          <a:p>
+            <a:pPr marL="742950" lvl="1" indent="-285750">
+              <a:buFont typeface="Arial" panose="020B0604020202020204" pitchFamily="34" charset="0"/>
+              <a:buChar char="•"/>
+            </a:pPr>
+            <a:r>
+              <a:rPr lang="en-US" sz="2400" dirty="0" smtClean="0"/>
+              <a:t>Currently minimal means </a:t>
+            </a:r>
+            <a:r>
+              <a:rPr lang="en-US" sz="2400" dirty="0" err="1" smtClean="0"/>
+              <a:t>ares</a:t>
+            </a:r>
+            <a:r>
+              <a:rPr lang="en-US" sz="2400" dirty="0" smtClean="0"/>
+              <a:t> of the bar cut: width*height</a:t>
+            </a:r>
+          </a:p>
+          <a:p>
+            <a:pPr marL="742950" lvl="1" indent="-285750">
+              <a:buFont typeface="Arial" panose="020B0604020202020204" pitchFamily="34" charset="0"/>
+              <a:buChar char="•"/>
+            </a:pPr>
+            <a:endParaRPr lang="en-US" sz="2400" dirty="0"/>
+          </a:p>
+          <a:p>
+            <a:r>
+              <a:rPr lang="en-US" sz="2000" dirty="0" smtClean="0"/>
+              <a:t>   	</a:t>
+            </a:r>
+            <a:r>
+              <a:rPr lang="en-US" sz="1600" dirty="0">
+                <a:latin typeface="Consolas" panose="020B0609020204030204" pitchFamily="49" charset="0"/>
+              </a:rPr>
+              <a:t>score </a:t>
+            </a:r>
+            <a:r>
+              <a:rPr lang="en-US" sz="1600" dirty="0">
+                <a:latin typeface="Consolas" panose="020B0609020204030204" pitchFamily="49" charset="0"/>
+              </a:rPr>
+              <a:t>=</a:t>
+            </a:r>
+          </a:p>
+          <a:p>
+            <a:r>
+              <a:rPr lang="en-US" sz="1600" dirty="0">
+                <a:latin typeface="Consolas" panose="020B0609020204030204" pitchFamily="49" charset="0"/>
+              </a:rPr>
+              <a:t>	    </a:t>
+            </a:r>
+            <a:r>
+              <a:rPr lang="en-US" sz="1600" dirty="0">
+                <a:latin typeface="Consolas" panose="020B0609020204030204" pitchFamily="49" charset="0"/>
+              </a:rPr>
+              <a:t>2.1709</a:t>
+            </a:r>
+          </a:p>
+          <a:p>
+            <a:r>
+              <a:rPr lang="en-US" sz="1600" dirty="0">
+                <a:latin typeface="Consolas" panose="020B0609020204030204" pitchFamily="49" charset="0"/>
+              </a:rPr>
+              <a:t>	res </a:t>
+            </a:r>
+            <a:r>
+              <a:rPr lang="en-US" sz="1600" dirty="0">
+                <a:latin typeface="Consolas" panose="020B0609020204030204" pitchFamily="49" charset="0"/>
+              </a:rPr>
+              <a:t>= </a:t>
+            </a:r>
+          </a:p>
+          <a:p>
+            <a:pPr lvl="1"/>
+            <a:r>
+              <a:rPr lang="en-US" sz="1600" dirty="0" smtClean="0">
+                <a:latin typeface="Consolas" panose="020B0609020204030204" pitchFamily="49" charset="0"/>
+              </a:rPr>
+              <a:t> 	 </a:t>
+            </a:r>
+            <a:r>
+              <a:rPr lang="en-US" sz="1600" dirty="0" err="1" smtClean="0">
+                <a:latin typeface="Consolas" panose="020B0609020204030204" pitchFamily="49" charset="0"/>
+              </a:rPr>
+              <a:t>gridSize</a:t>
+            </a:r>
+            <a:r>
+              <a:rPr lang="en-US" sz="1600" dirty="0">
+                <a:latin typeface="Consolas" panose="020B0609020204030204" pitchFamily="49" charset="0"/>
+              </a:rPr>
+              <a:t>: [7 7]</a:t>
+            </a:r>
+          </a:p>
+          <a:p>
+            <a:pPr lvl="1"/>
+            <a:r>
+              <a:rPr lang="en-US" sz="1600" dirty="0">
+                <a:latin typeface="Consolas" panose="020B0609020204030204" pitchFamily="49" charset="0"/>
+              </a:rPr>
+              <a:t>    </a:t>
+            </a:r>
+            <a:r>
+              <a:rPr lang="en-US" sz="1600" dirty="0" smtClean="0">
+                <a:latin typeface="Consolas" panose="020B0609020204030204" pitchFamily="49" charset="0"/>
+              </a:rPr>
+              <a:t>   points</a:t>
+            </a:r>
+            <a:r>
+              <a:rPr lang="en-US" sz="1600" dirty="0">
+                <a:latin typeface="Consolas" panose="020B0609020204030204" pitchFamily="49" charset="0"/>
+              </a:rPr>
+              <a:t>: [49×2 double]</a:t>
+            </a:r>
+          </a:p>
+          <a:p>
+            <a:pPr lvl="1"/>
+            <a:r>
+              <a:rPr lang="en-US" sz="1600" dirty="0" smtClean="0">
+                <a:latin typeface="Consolas" panose="020B0609020204030204" pitchFamily="49" charset="0"/>
+              </a:rPr>
+              <a:t>    </a:t>
+            </a:r>
+            <a:r>
+              <a:rPr lang="en-US" sz="1600" dirty="0">
+                <a:latin typeface="Consolas" panose="020B0609020204030204" pitchFamily="49" charset="0"/>
+              </a:rPr>
+              <a:t>	</a:t>
+            </a:r>
+            <a:r>
+              <a:rPr lang="en-US" sz="1600" dirty="0" smtClean="0">
+                <a:latin typeface="Consolas" panose="020B0609020204030204" pitchFamily="49" charset="0"/>
+              </a:rPr>
+              <a:t>  </a:t>
+            </a:r>
+            <a:r>
+              <a:rPr lang="en-US" sz="1600" dirty="0" err="1" smtClean="0">
+                <a:latin typeface="Consolas" panose="020B0609020204030204" pitchFamily="49" charset="0"/>
+              </a:rPr>
+              <a:t>minArea</a:t>
+            </a:r>
+            <a:r>
+              <a:rPr lang="en-US" sz="1600" dirty="0">
+                <a:latin typeface="Consolas" panose="020B0609020204030204" pitchFamily="49" charset="0"/>
+              </a:rPr>
+              <a:t>: 20.9962</a:t>
+            </a:r>
+          </a:p>
+          <a:p>
+            <a:pPr lvl="1"/>
+            <a:r>
+              <a:rPr lang="en-US" sz="1600" dirty="0" err="1" smtClean="0">
+                <a:latin typeface="Consolas" panose="020B0609020204030204" pitchFamily="49" charset="0"/>
+              </a:rPr>
+              <a:t>meanBlobNoise</a:t>
+            </a:r>
+            <a:r>
+              <a:rPr lang="en-US" sz="1600" dirty="0">
+                <a:latin typeface="Consolas" panose="020B0609020204030204" pitchFamily="49" charset="0"/>
+              </a:rPr>
+              <a:t>: 4.0524</a:t>
+            </a:r>
+          </a:p>
+          <a:p>
+            <a:pPr lvl="1"/>
+            <a:r>
+              <a:rPr lang="en-US" sz="1600" dirty="0" smtClean="0">
+                <a:latin typeface="Consolas" panose="020B0609020204030204" pitchFamily="49" charset="0"/>
+              </a:rPr>
+              <a:t>        </a:t>
+            </a:r>
+            <a:r>
+              <a:rPr lang="en-US" sz="1600" dirty="0">
+                <a:latin typeface="Consolas" panose="020B0609020204030204" pitchFamily="49" charset="0"/>
+              </a:rPr>
+              <a:t>score: '</a:t>
+            </a:r>
+            <a:r>
+              <a:rPr lang="en-US" sz="1600" dirty="0" err="1">
+                <a:latin typeface="Consolas" panose="020B0609020204030204" pitchFamily="49" charset="0"/>
+              </a:rPr>
+              <a:t>minArea</a:t>
+            </a:r>
+            <a:r>
+              <a:rPr lang="en-US" sz="1600" dirty="0">
+                <a:latin typeface="Consolas" panose="020B0609020204030204" pitchFamily="49" charset="0"/>
+              </a:rPr>
+              <a:t>'</a:t>
+            </a:r>
+          </a:p>
+          <a:p>
+            <a:pPr lvl="1"/>
+            <a:r>
+              <a:rPr lang="en-US" sz="1600" dirty="0" smtClean="0">
+                <a:latin typeface="Consolas" panose="020B0609020204030204" pitchFamily="49" charset="0"/>
+              </a:rPr>
+              <a:t>        </a:t>
+            </a:r>
+            <a:r>
+              <a:rPr lang="en-US" sz="1600" dirty="0">
+                <a:latin typeface="Consolas" panose="020B0609020204030204" pitchFamily="49" charset="0"/>
+              </a:rPr>
+              <a:t>units: 'mm^2'</a:t>
+            </a:r>
+            <a:endParaRPr lang="en-US" sz="1600" dirty="0">
+              <a:latin typeface="Consolas" panose="020B0609020204030204" pitchFamily="49" charset="0"/>
+            </a:endParaRPr>
+          </a:p>
+          <a:p>
+            <a:pPr marL="742950" lvl="1" indent="-285750">
+              <a:buFont typeface="Arial" panose="020B0604020202020204" pitchFamily="34" charset="0"/>
+              <a:buChar char="•"/>
+            </a:pPr>
+            <a:endParaRPr lang="en-US" sz="2400" dirty="0"/>
+          </a:p>
+        </p:txBody>
+      </p:sp>
+      <p:pic>
+        <p:nvPicPr>
+          <p:cNvPr id="4" name="Picture 3"/>
+          <p:cNvPicPr>
+            <a:picLocks noChangeAspect="1"/>
+          </p:cNvPicPr>
+          <p:nvPr/>
+        </p:nvPicPr>
+        <p:blipFill>
+          <a:blip r:embed="rId2"/>
+          <a:stretch>
+            <a:fillRect/>
+          </a:stretch>
+        </p:blipFill>
+        <p:spPr>
+          <a:xfrm>
+            <a:off x="838200" y="1772272"/>
+            <a:ext cx="5307853" cy="4922442"/>
+          </a:xfrm>
+          <a:prstGeom prst="rect">
+            <a:avLst/>
+          </a:prstGeom>
+        </p:spPr>
+      </p:pic>
+    </p:spTree>
+    <p:extLst>
+      <p:ext uri="{BB962C8B-B14F-4D97-AF65-F5344CB8AC3E}">
+        <p14:creationId xmlns:p14="http://schemas.microsoft.com/office/powerpoint/2010/main" val="1465494036"/>
       </p:ext>
     </p:extLst>
   </p:cSld>
